--- a/Rouviere/PresentationCPGE.pptx
+++ b/Rouviere/PresentationCPGE.pptx
@@ -136,17 +136,7 @@
 
 <file path=ppt/charts/chart1.xml><?xml version="1.0" encoding="utf-8"?>
 <c:chartSpace xmlns:c="http://schemas.openxmlformats.org/drawingml/2006/chart" xmlns:a="http://schemas.openxmlformats.org/drawingml/2006/main" xmlns:r="http://schemas.openxmlformats.org/officeDocument/2006/relationships">
-  <c:date1904 val="0"/>
   <c:lang val="fr-FR"/>
-  <c:roundedCorners val="0"/>
-  <mc:AlternateContent xmlns:mc="http://schemas.openxmlformats.org/markup-compatibility/2006">
-    <mc:Choice xmlns:c14="http://schemas.microsoft.com/office/drawing/2007/8/2/chart" Requires="c14">
-      <c14:style val="102"/>
-    </mc:Choice>
-    <mc:Fallback>
-      <c:style val="2"/>
-    </mc:Fallback>
-  </mc:AlternateContent>
   <c:chart>
     <c:title>
       <c:tx>
@@ -170,24 +160,11 @@
         </c:rich>
       </c:tx>
       <c:layout/>
-      <c:overlay val="0"/>
     </c:title>
-    <c:autoTitleDeleted val="0"/>
     <c:view3D>
       <c:rotX val="30"/>
-      <c:rotY val="0"/>
-      <c:rAngAx val="0"/>
       <c:perspective val="30"/>
     </c:view3D>
-    <c:floor>
-      <c:thickness val="0"/>
-    </c:floor>
-    <c:sideWall>
-      <c:thickness val="0"/>
-    </c:sideWall>
-    <c:backWall>
-      <c:thickness val="0"/>
-    </c:backWall>
     <c:plotArea>
       <c:layout/>
       <c:pie3DChart>
@@ -273,21 +250,12 @@
             </c:numRef>
           </c:val>
         </c:ser>
-        <c:dLbls>
-          <c:showLegendKey val="0"/>
-          <c:showVal val="0"/>
-          <c:showCatName val="0"/>
-          <c:showSerName val="0"/>
-          <c:showPercent val="0"/>
-          <c:showBubbleSize val="0"/>
-          <c:showLeaderLines val="1"/>
-        </c:dLbls>
+        <c:dLbls/>
       </c:pie3DChart>
     </c:plotArea>
     <c:legend>
       <c:legendPos val="r"/>
       <c:layout/>
-      <c:overlay val="0"/>
       <c:txPr>
         <a:bodyPr/>
         <a:lstStyle/>
@@ -300,8 +268,7 @@
       </c:txPr>
     </c:legend>
     <c:plotVisOnly val="1"/>
-    <c:dispBlanksAs val="gap"/>
-    <c:showDLblsOverMax val="0"/>
+    <c:dispBlanksAs val="zero"/>
   </c:chart>
   <c:txPr>
     <a:bodyPr/>
@@ -313,25 +280,13 @@
       <a:endParaRPr lang="fr-FR"/>
     </a:p>
   </c:txPr>
-  <c:externalData r:id="rId1">
-    <c:autoUpdate val="0"/>
-  </c:externalData>
+  <c:externalData r:id="rId1"/>
 </c:chartSpace>
 </file>
 
 <file path=ppt/charts/chart2.xml><?xml version="1.0" encoding="utf-8"?>
 <c:chartSpace xmlns:c="http://schemas.openxmlformats.org/drawingml/2006/chart" xmlns:a="http://schemas.openxmlformats.org/drawingml/2006/main" xmlns:r="http://schemas.openxmlformats.org/officeDocument/2006/relationships">
-  <c:date1904 val="0"/>
   <c:lang val="fr-FR"/>
-  <c:roundedCorners val="0"/>
-  <mc:AlternateContent xmlns:mc="http://schemas.openxmlformats.org/markup-compatibility/2006">
-    <mc:Choice xmlns:c14="http://schemas.microsoft.com/office/drawing/2007/8/2/chart" Requires="c14">
-      <c14:style val="102"/>
-    </mc:Choice>
-    <mc:Fallback>
-      <c:style val="2"/>
-    </mc:Fallback>
-  </mc:AlternateContent>
   <c:chart>
     <c:title>
       <c:tx>
@@ -348,35 +303,18 @@
             </a:r>
             <a:r>
               <a:rPr lang="fr-FR" baseline="0" dirty="0" smtClean="0"/>
-              <a:t> en </a:t>
-            </a:r>
-            <a:r>
-              <a:rPr lang="fr-FR" baseline="0" dirty="0" smtClean="0"/>
-              <a:t>PCSI</a:t>
+              <a:t> en PCSI</a:t>
             </a:r>
             <a:endParaRPr lang="fr-FR" dirty="0"/>
           </a:p>
         </c:rich>
       </c:tx>
       <c:layout/>
-      <c:overlay val="0"/>
     </c:title>
-    <c:autoTitleDeleted val="0"/>
     <c:view3D>
       <c:rotX val="30"/>
-      <c:rotY val="0"/>
-      <c:rAngAx val="0"/>
       <c:perspective val="30"/>
     </c:view3D>
-    <c:floor>
-      <c:thickness val="0"/>
-    </c:floor>
-    <c:sideWall>
-      <c:thickness val="0"/>
-    </c:sideWall>
-    <c:backWall>
-      <c:thickness val="0"/>
-    </c:backWall>
     <c:plotArea>
       <c:layout/>
       <c:pie3DChart>
@@ -462,21 +400,12 @@
             </c:numRef>
           </c:val>
         </c:ser>
-        <c:dLbls>
-          <c:showLegendKey val="0"/>
-          <c:showVal val="0"/>
-          <c:showCatName val="0"/>
-          <c:showSerName val="0"/>
-          <c:showPercent val="0"/>
-          <c:showBubbleSize val="0"/>
-          <c:showLeaderLines val="1"/>
-        </c:dLbls>
+        <c:dLbls/>
       </c:pie3DChart>
     </c:plotArea>
     <c:legend>
       <c:legendPos val="r"/>
       <c:layout/>
-      <c:overlay val="0"/>
       <c:txPr>
         <a:bodyPr/>
         <a:lstStyle/>
@@ -489,8 +418,7 @@
       </c:txPr>
     </c:legend>
     <c:plotVisOnly val="1"/>
-    <c:dispBlanksAs val="gap"/>
-    <c:showDLblsOverMax val="0"/>
+    <c:dispBlanksAs val="zero"/>
   </c:chart>
   <c:txPr>
     <a:bodyPr/>
@@ -502,25 +430,13 @@
       <a:endParaRPr lang="fr-FR"/>
     </a:p>
   </c:txPr>
-  <c:externalData r:id="rId1">
-    <c:autoUpdate val="0"/>
-  </c:externalData>
+  <c:externalData r:id="rId1"/>
 </c:chartSpace>
 </file>
 
 <file path=ppt/charts/chart3.xml><?xml version="1.0" encoding="utf-8"?>
 <c:chartSpace xmlns:c="http://schemas.openxmlformats.org/drawingml/2006/chart" xmlns:a="http://schemas.openxmlformats.org/drawingml/2006/main" xmlns:r="http://schemas.openxmlformats.org/officeDocument/2006/relationships">
-  <c:date1904 val="0"/>
   <c:lang val="fr-FR"/>
-  <c:roundedCorners val="0"/>
-  <mc:AlternateContent xmlns:mc="http://schemas.openxmlformats.org/markup-compatibility/2006">
-    <mc:Choice xmlns:c14="http://schemas.microsoft.com/office/drawing/2007/8/2/chart" Requires="c14">
-      <c14:style val="102"/>
-    </mc:Choice>
-    <mc:Fallback>
-      <c:style val="2"/>
-    </mc:Fallback>
-  </mc:AlternateContent>
   <c:chart>
     <c:title>
       <c:tx>
@@ -537,35 +453,18 @@
             </a:r>
             <a:r>
               <a:rPr lang="fr-FR" baseline="0" dirty="0" smtClean="0"/>
-              <a:t> en </a:t>
-            </a:r>
-            <a:r>
-              <a:rPr lang="fr-FR" baseline="0" dirty="0" smtClean="0"/>
-              <a:t>MPSI</a:t>
+              <a:t> en MPSI</a:t>
             </a:r>
             <a:endParaRPr lang="fr-FR" dirty="0"/>
           </a:p>
         </c:rich>
       </c:tx>
       <c:layout/>
-      <c:overlay val="0"/>
     </c:title>
-    <c:autoTitleDeleted val="0"/>
     <c:view3D>
       <c:rotX val="30"/>
-      <c:rotY val="0"/>
-      <c:rAngAx val="0"/>
       <c:perspective val="30"/>
     </c:view3D>
-    <c:floor>
-      <c:thickness val="0"/>
-    </c:floor>
-    <c:sideWall>
-      <c:thickness val="0"/>
-    </c:sideWall>
-    <c:backWall>
-      <c:thickness val="0"/>
-    </c:backWall>
     <c:plotArea>
       <c:layout/>
       <c:pie3DChart>
@@ -651,21 +550,12 @@
             </c:numRef>
           </c:val>
         </c:ser>
-        <c:dLbls>
-          <c:showLegendKey val="0"/>
-          <c:showVal val="0"/>
-          <c:showCatName val="0"/>
-          <c:showSerName val="0"/>
-          <c:showPercent val="0"/>
-          <c:showBubbleSize val="0"/>
-          <c:showLeaderLines val="1"/>
-        </c:dLbls>
+        <c:dLbls/>
       </c:pie3DChart>
     </c:plotArea>
     <c:legend>
       <c:legendPos val="r"/>
       <c:layout/>
-      <c:overlay val="0"/>
       <c:txPr>
         <a:bodyPr/>
         <a:lstStyle/>
@@ -678,8 +568,7 @@
       </c:txPr>
     </c:legend>
     <c:plotVisOnly val="1"/>
-    <c:dispBlanksAs val="gap"/>
-    <c:showDLblsOverMax val="0"/>
+    <c:dispBlanksAs val="zero"/>
   </c:chart>
   <c:txPr>
     <a:bodyPr/>
@@ -691,25 +580,13 @@
       <a:endParaRPr lang="fr-FR"/>
     </a:p>
   </c:txPr>
-  <c:externalData r:id="rId1">
-    <c:autoUpdate val="0"/>
-  </c:externalData>
+  <c:externalData r:id="rId1"/>
 </c:chartSpace>
 </file>
 
 <file path=ppt/charts/chart4.xml><?xml version="1.0" encoding="utf-8"?>
 <c:chartSpace xmlns:c="http://schemas.openxmlformats.org/drawingml/2006/chart" xmlns:a="http://schemas.openxmlformats.org/drawingml/2006/main" xmlns:r="http://schemas.openxmlformats.org/officeDocument/2006/relationships">
-  <c:date1904 val="0"/>
   <c:lang val="fr-FR"/>
-  <c:roundedCorners val="0"/>
-  <mc:AlternateContent xmlns:mc="http://schemas.openxmlformats.org/markup-compatibility/2006">
-    <mc:Choice xmlns:c14="http://schemas.microsoft.com/office/drawing/2007/8/2/chart" Requires="c14">
-      <c14:style val="102"/>
-    </mc:Choice>
-    <mc:Fallback>
-      <c:style val="2"/>
-    </mc:Fallback>
-  </mc:AlternateContent>
   <c:chart>
     <c:title>
       <c:tx>
@@ -726,35 +603,18 @@
             </a:r>
             <a:r>
               <a:rPr lang="fr-FR" baseline="0" dirty="0" smtClean="0"/>
-              <a:t> en </a:t>
-            </a:r>
-            <a:r>
-              <a:rPr lang="fr-FR" baseline="0" dirty="0" smtClean="0"/>
-              <a:t>BCPST</a:t>
+              <a:t> en BCPST</a:t>
             </a:r>
             <a:endParaRPr lang="fr-FR" dirty="0"/>
           </a:p>
         </c:rich>
       </c:tx>
       <c:layout/>
-      <c:overlay val="0"/>
     </c:title>
-    <c:autoTitleDeleted val="0"/>
     <c:view3D>
       <c:rotX val="30"/>
-      <c:rotY val="0"/>
-      <c:rAngAx val="0"/>
       <c:perspective val="30"/>
     </c:view3D>
-    <c:floor>
-      <c:thickness val="0"/>
-    </c:floor>
-    <c:sideWall>
-      <c:thickness val="0"/>
-    </c:sideWall>
-    <c:backWall>
-      <c:thickness val="0"/>
-    </c:backWall>
     <c:plotArea>
       <c:layout/>
       <c:pie3DChart>
@@ -840,21 +700,12 @@
             </c:numRef>
           </c:val>
         </c:ser>
-        <c:dLbls>
-          <c:showLegendKey val="0"/>
-          <c:showVal val="0"/>
-          <c:showCatName val="0"/>
-          <c:showSerName val="0"/>
-          <c:showPercent val="0"/>
-          <c:showBubbleSize val="0"/>
-          <c:showLeaderLines val="1"/>
-        </c:dLbls>
+        <c:dLbls/>
       </c:pie3DChart>
     </c:plotArea>
     <c:legend>
       <c:legendPos val="r"/>
       <c:layout/>
-      <c:overlay val="0"/>
       <c:txPr>
         <a:bodyPr/>
         <a:lstStyle/>
@@ -867,8 +718,7 @@
       </c:txPr>
     </c:legend>
     <c:plotVisOnly val="1"/>
-    <c:dispBlanksAs val="gap"/>
-    <c:showDLblsOverMax val="0"/>
+    <c:dispBlanksAs val="zero"/>
   </c:chart>
   <c:txPr>
     <a:bodyPr/>
@@ -880,25 +730,13 @@
       <a:endParaRPr lang="fr-FR"/>
     </a:p>
   </c:txPr>
-  <c:externalData r:id="rId1">
-    <c:autoUpdate val="0"/>
-  </c:externalData>
+  <c:externalData r:id="rId1"/>
 </c:chartSpace>
 </file>
 
 <file path=ppt/charts/chart5.xml><?xml version="1.0" encoding="utf-8"?>
 <c:chartSpace xmlns:c="http://schemas.openxmlformats.org/drawingml/2006/chart" xmlns:a="http://schemas.openxmlformats.org/drawingml/2006/main" xmlns:r="http://schemas.openxmlformats.org/officeDocument/2006/relationships">
-  <c:date1904 val="0"/>
   <c:lang val="fr-FR"/>
-  <c:roundedCorners val="0"/>
-  <mc:AlternateContent xmlns:mc="http://schemas.openxmlformats.org/markup-compatibility/2006">
-    <mc:Choice xmlns:c14="http://schemas.microsoft.com/office/drawing/2007/8/2/chart" Requires="c14">
-      <c14:style val="102"/>
-    </mc:Choice>
-    <mc:Fallback>
-      <c:style val="2"/>
-    </mc:Fallback>
-  </mc:AlternateContent>
   <c:chart>
     <c:title>
       <c:tx>
@@ -915,35 +753,18 @@
             </a:r>
             <a:r>
               <a:rPr lang="fr-FR" baseline="0" dirty="0" smtClean="0"/>
-              <a:t> en </a:t>
-            </a:r>
-            <a:r>
-              <a:rPr lang="fr-FR" baseline="0" dirty="0" smtClean="0"/>
-              <a:t>ECS</a:t>
+              <a:t> en ECS</a:t>
             </a:r>
             <a:endParaRPr lang="fr-FR" dirty="0"/>
           </a:p>
         </c:rich>
       </c:tx>
       <c:layout/>
-      <c:overlay val="0"/>
     </c:title>
-    <c:autoTitleDeleted val="0"/>
     <c:view3D>
       <c:rotX val="30"/>
-      <c:rotY val="0"/>
-      <c:rAngAx val="0"/>
       <c:perspective val="30"/>
     </c:view3D>
-    <c:floor>
-      <c:thickness val="0"/>
-    </c:floor>
-    <c:sideWall>
-      <c:thickness val="0"/>
-    </c:sideWall>
-    <c:backWall>
-      <c:thickness val="0"/>
-    </c:backWall>
     <c:plotArea>
       <c:layout/>
       <c:pie3DChart>
@@ -1029,21 +850,12 @@
             </c:numRef>
           </c:val>
         </c:ser>
-        <c:dLbls>
-          <c:showLegendKey val="0"/>
-          <c:showVal val="0"/>
-          <c:showCatName val="0"/>
-          <c:showSerName val="0"/>
-          <c:showPercent val="0"/>
-          <c:showBubbleSize val="0"/>
-          <c:showLeaderLines val="1"/>
-        </c:dLbls>
+        <c:dLbls/>
       </c:pie3DChart>
     </c:plotArea>
     <c:legend>
       <c:legendPos val="r"/>
       <c:layout/>
-      <c:overlay val="0"/>
       <c:txPr>
         <a:bodyPr/>
         <a:lstStyle/>
@@ -1056,8 +868,7 @@
       </c:txPr>
     </c:legend>
     <c:plotVisOnly val="1"/>
-    <c:dispBlanksAs val="gap"/>
-    <c:showDLblsOverMax val="0"/>
+    <c:dispBlanksAs val="zero"/>
   </c:chart>
   <c:txPr>
     <a:bodyPr/>
@@ -1069,9 +880,7 @@
       <a:endParaRPr lang="fr-FR"/>
     </a:p>
   </c:txPr>
-  <c:externalData r:id="rId1">
-    <c:autoUpdate val="0"/>
-  </c:externalData>
+  <c:externalData r:id="rId1"/>
 </c:chartSpace>
 </file>
 
@@ -1157,7 +966,8 @@
           <a:p>
             <a:fld id="{D27F0A6E-5B86-4EF6-83C5-0BD3A3DA83B6}" type="datetimeFigureOut">
               <a:rPr lang="fr-FR" smtClean="0"/>
-              <a:t>16/01/2014</a:t>
+              <a:pPr/>
+              <a:t>12/02/2014</a:t>
             </a:fld>
             <a:endParaRPr lang="fr-FR"/>
           </a:p>
@@ -1316,6 +1126,7 @@
           <a:p>
             <a:fld id="{E1E26491-4D4E-4AA6-8D59-24A339C67748}" type="slidenum">
               <a:rPr lang="fr-FR" smtClean="0"/>
+              <a:pPr/>
               <a:t>‹N°›</a:t>
             </a:fld>
             <a:endParaRPr lang="fr-FR"/>
@@ -1325,7 +1136,7 @@
     </p:spTree>
     <p:extLst>
       <p:ext uri="{BB962C8B-B14F-4D97-AF65-F5344CB8AC3E}">
-        <p14:creationId xmlns:p14="http://schemas.microsoft.com/office/powerpoint/2010/main" val="343854922"/>
+        <p14:creationId xmlns:p14="http://schemas.microsoft.com/office/powerpoint/2010/main" xmlns="" val="343854922"/>
       </p:ext>
     </p:extLst>
   </p:cSld>
@@ -1568,7 +1379,8 @@
           <a:p>
             <a:fld id="{80E03CF1-1404-4F96-BE00-E12027A9533E}" type="datetime1">
               <a:rPr lang="fr-FR" smtClean="0"/>
-              <a:t>16/01/2014</a:t>
+              <a:pPr/>
+              <a:t>12/02/2014</a:t>
             </a:fld>
             <a:endParaRPr lang="fr-FR"/>
           </a:p>
@@ -1628,6 +1440,7 @@
           <a:p>
             <a:fld id="{1CBB6DF8-B4DD-4E80-A138-72D154BCFFEE}" type="slidenum">
               <a:rPr lang="fr-FR" smtClean="0"/>
+              <a:pPr/>
               <a:t>‹N°›</a:t>
             </a:fld>
             <a:endParaRPr lang="fr-FR"/>
@@ -1942,7 +1755,8 @@
           <a:p>
             <a:fld id="{323B191B-AB47-426E-987B-E782239FA91B}" type="datetime1">
               <a:rPr lang="fr-FR" smtClean="0"/>
-              <a:t>16/01/2014</a:t>
+              <a:pPr/>
+              <a:t>12/02/2014</a:t>
             </a:fld>
             <a:endParaRPr lang="fr-FR"/>
           </a:p>
@@ -1988,6 +1802,7 @@
           <a:p>
             <a:fld id="{1CBB6DF8-B4DD-4E80-A138-72D154BCFFEE}" type="slidenum">
               <a:rPr lang="fr-FR" smtClean="0"/>
+              <a:pPr/>
               <a:t>‹N°›</a:t>
             </a:fld>
             <a:endParaRPr lang="fr-FR"/>
@@ -2121,7 +1936,8 @@
           <a:p>
             <a:fld id="{2E24AE71-937F-4660-B9E2-F4542EB1EFF8}" type="datetime1">
               <a:rPr lang="fr-FR" smtClean="0"/>
-              <a:t>16/01/2014</a:t>
+              <a:pPr/>
+              <a:t>12/02/2014</a:t>
             </a:fld>
             <a:endParaRPr lang="fr-FR"/>
           </a:p>
@@ -2167,6 +1983,7 @@
           <a:p>
             <a:fld id="{1CBB6DF8-B4DD-4E80-A138-72D154BCFFEE}" type="slidenum">
               <a:rPr lang="fr-FR" smtClean="0"/>
+              <a:pPr/>
               <a:t>‹N°›</a:t>
             </a:fld>
             <a:endParaRPr lang="fr-FR"/>
@@ -2360,7 +2177,8 @@
           <a:p>
             <a:fld id="{A73A6D3F-1386-42A6-B79C-6D98CF025A8B}" type="datetime1">
               <a:rPr lang="fr-FR" smtClean="0"/>
-              <a:t>16/01/2014</a:t>
+              <a:pPr/>
+              <a:t>12/02/2014</a:t>
             </a:fld>
             <a:endParaRPr lang="fr-FR"/>
           </a:p>
@@ -2415,6 +2233,7 @@
           <a:p>
             <a:fld id="{1CBB6DF8-B4DD-4E80-A138-72D154BCFFEE}" type="slidenum">
               <a:rPr lang="fr-FR" smtClean="0"/>
+              <a:pPr/>
               <a:t>‹N°›</a:t>
             </a:fld>
             <a:endParaRPr lang="fr-FR"/>
@@ -2649,7 +2468,8 @@
           <a:p>
             <a:fld id="{288C7ECB-308C-419E-8581-EEC8E4D8967A}" type="datetime1">
               <a:rPr lang="fr-FR" smtClean="0"/>
-              <a:t>16/01/2014</a:t>
+              <a:pPr/>
+              <a:t>12/02/2014</a:t>
             </a:fld>
             <a:endParaRPr lang="fr-FR"/>
           </a:p>
@@ -2709,6 +2529,7 @@
           <a:p>
             <a:fld id="{1CBB6DF8-B4DD-4E80-A138-72D154BCFFEE}" type="slidenum">
               <a:rPr lang="fr-FR" smtClean="0"/>
+              <a:pPr/>
               <a:t>‹N°›</a:t>
             </a:fld>
             <a:endParaRPr lang="fr-FR"/>
@@ -2884,7 +2705,8 @@
           <a:p>
             <a:fld id="{B6B6314F-365B-4C6F-8D82-6E5EB6286A9B}" type="datetime1">
               <a:rPr lang="fr-FR" smtClean="0"/>
-              <a:t>16/01/2014</a:t>
+              <a:pPr/>
+              <a:t>12/02/2014</a:t>
             </a:fld>
             <a:endParaRPr lang="fr-FR"/>
           </a:p>
@@ -2930,6 +2752,7 @@
           <a:p>
             <a:fld id="{1CBB6DF8-B4DD-4E80-A138-72D154BCFFEE}" type="slidenum">
               <a:rPr lang="fr-FR" smtClean="0"/>
+              <a:pPr/>
               <a:t>‹N°›</a:t>
             </a:fld>
             <a:endParaRPr lang="fr-FR"/>
@@ -3240,7 +3063,8 @@
           <a:p>
             <a:fld id="{1E8843A6-341C-476E-A93B-81A14334ACEE}" type="datetime1">
               <a:rPr lang="fr-FR" smtClean="0"/>
-              <a:t>16/01/2014</a:t>
+              <a:pPr/>
+              <a:t>12/02/2014</a:t>
             </a:fld>
             <a:endParaRPr lang="fr-FR"/>
           </a:p>
@@ -3286,6 +3110,7 @@
           <a:p>
             <a:fld id="{1CBB6DF8-B4DD-4E80-A138-72D154BCFFEE}" type="slidenum">
               <a:rPr lang="fr-FR" smtClean="0"/>
+              <a:pPr/>
               <a:t>‹N°›</a:t>
             </a:fld>
             <a:endParaRPr lang="fr-FR"/>
@@ -3476,7 +3301,8 @@
           <a:p>
             <a:fld id="{5768B1D7-73E1-4220-81C1-FAF0BD4D5D13}" type="datetime1">
               <a:rPr lang="fr-FR" smtClean="0"/>
-              <a:t>16/01/2014</a:t>
+              <a:pPr/>
+              <a:t>12/02/2014</a:t>
             </a:fld>
             <a:endParaRPr lang="fr-FR"/>
           </a:p>
@@ -3522,6 +3348,7 @@
           <a:p>
             <a:fld id="{1CBB6DF8-B4DD-4E80-A138-72D154BCFFEE}" type="slidenum">
               <a:rPr lang="fr-FR" smtClean="0"/>
+              <a:pPr/>
               <a:t>‹N°›</a:t>
             </a:fld>
             <a:endParaRPr lang="fr-FR"/>
@@ -3620,7 +3447,8 @@
           <a:p>
             <a:fld id="{1B827170-7CAC-49A9-856E-4244E0368B3A}" type="datetime1">
               <a:rPr lang="fr-FR" smtClean="0"/>
-              <a:t>16/01/2014</a:t>
+              <a:pPr/>
+              <a:t>12/02/2014</a:t>
             </a:fld>
             <a:endParaRPr lang="fr-FR"/>
           </a:p>
@@ -3666,6 +3494,7 @@
           <a:p>
             <a:fld id="{1CBB6DF8-B4DD-4E80-A138-72D154BCFFEE}" type="slidenum">
               <a:rPr lang="fr-FR" smtClean="0"/>
+              <a:pPr/>
               <a:t>‹N°›</a:t>
             </a:fld>
             <a:endParaRPr lang="fr-FR"/>
@@ -3901,7 +3730,8 @@
           <a:p>
             <a:fld id="{5455D6C3-CBA9-4018-A399-639C4047CA06}" type="datetime1">
               <a:rPr lang="fr-FR" smtClean="0"/>
-              <a:t>16/01/2014</a:t>
+              <a:pPr/>
+              <a:t>12/02/2014</a:t>
             </a:fld>
             <a:endParaRPr lang="fr-FR"/>
           </a:p>
@@ -3947,6 +3777,7 @@
           <a:p>
             <a:fld id="{1CBB6DF8-B4DD-4E80-A138-72D154BCFFEE}" type="slidenum">
               <a:rPr lang="fr-FR" smtClean="0"/>
+              <a:pPr/>
               <a:t>‹N°›</a:t>
             </a:fld>
             <a:endParaRPr lang="fr-FR"/>
@@ -4312,7 +4143,8 @@
           <a:p>
             <a:fld id="{E6D8053A-ED5F-4450-88CD-62059A238D42}" type="datetime1">
               <a:rPr lang="fr-FR" smtClean="0"/>
-              <a:t>16/01/2014</a:t>
+              <a:pPr/>
+              <a:t>12/02/2014</a:t>
             </a:fld>
             <a:endParaRPr lang="fr-FR"/>
           </a:p>
@@ -4358,6 +4190,7 @@
           <a:p>
             <a:fld id="{1CBB6DF8-B4DD-4E80-A138-72D154BCFFEE}" type="slidenum">
               <a:rPr lang="fr-FR" smtClean="0"/>
+              <a:pPr/>
               <a:t>‹N°›</a:t>
             </a:fld>
             <a:endParaRPr lang="fr-FR"/>
@@ -4654,7 +4487,8 @@
           <a:p>
             <a:fld id="{D2A41902-4600-44E3-86DD-AB29023CD1D1}" type="datetime1">
               <a:rPr lang="fr-FR" smtClean="0"/>
-              <a:t>16/01/2014</a:t>
+              <a:pPr/>
+              <a:t>12/02/2014</a:t>
             </a:fld>
             <a:endParaRPr lang="fr-FR"/>
           </a:p>
@@ -4733,6 +4567,7 @@
           <a:p>
             <a:fld id="{1CBB6DF8-B4DD-4E80-A138-72D154BCFFEE}" type="slidenum">
               <a:rPr lang="fr-FR" smtClean="0"/>
+              <a:pPr/>
               <a:t>‹N°›</a:t>
             </a:fld>
             <a:endParaRPr lang="fr-FR"/>
@@ -5256,7 +5091,11 @@
           <a:p>
             <a:r>
               <a:rPr lang="fr-FR" dirty="0" smtClean="0"/>
-              <a:t>Classes de Première</a:t>
+              <a:t>Classes de </a:t>
+            </a:r>
+            <a:r>
+              <a:rPr lang="fr-FR" dirty="0" smtClean="0"/>
+              <a:t>Terminales S</a:t>
             </a:r>
             <a:endParaRPr lang="fr-FR" dirty="0"/>
           </a:p>
@@ -5265,7 +5104,7 @@
     </p:spTree>
     <p:extLst>
       <p:ext uri="{BB962C8B-B14F-4D97-AF65-F5344CB8AC3E}">
-        <p14:creationId xmlns:p14="http://schemas.microsoft.com/office/powerpoint/2010/main" val="925375128"/>
+        <p14:creationId xmlns:p14="http://schemas.microsoft.com/office/powerpoint/2010/main" xmlns="" val="925375128"/>
       </p:ext>
     </p:extLst>
   </p:cSld>
@@ -6501,6 +6340,7 @@
           <a:p>
             <a:fld id="{1CBB6DF8-B4DD-4E80-A138-72D154BCFFEE}" type="slidenum">
               <a:rPr lang="fr-FR" smtClean="0"/>
+              <a:pPr/>
               <a:t>10</a:t>
             </a:fld>
             <a:endParaRPr lang="fr-FR"/>
@@ -6510,7 +6350,7 @@
     </p:spTree>
     <p:extLst>
       <p:ext uri="{BB962C8B-B14F-4D97-AF65-F5344CB8AC3E}">
-        <p14:creationId xmlns:p14="http://schemas.microsoft.com/office/powerpoint/2010/main" val="1039484304"/>
+        <p14:creationId xmlns:p14="http://schemas.microsoft.com/office/powerpoint/2010/main" xmlns="" val="1039484304"/>
       </p:ext>
     </p:extLst>
   </p:cSld>
@@ -6561,11 +6401,7 @@
           <a:p>
             <a:r>
               <a:rPr lang="fr-FR" dirty="0" smtClean="0"/>
-              <a:t>Les </a:t>
-            </a:r>
-            <a:r>
-              <a:rPr lang="fr-FR" dirty="0" smtClean="0"/>
-              <a:t>différentes CPGE Scientifiques</a:t>
+              <a:t>Les différentes CPGE Scientifiques</a:t>
             </a:r>
             <a:endParaRPr lang="fr-FR" dirty="0"/>
           </a:p>
@@ -6630,6 +6466,7 @@
           <a:p>
             <a:fld id="{1CBB6DF8-B4DD-4E80-A138-72D154BCFFEE}" type="slidenum">
               <a:rPr lang="fr-FR" smtClean="0"/>
+              <a:pPr/>
               <a:t>11</a:t>
             </a:fld>
             <a:endParaRPr lang="fr-FR"/>
@@ -6639,13 +6476,14 @@
     </p:spTree>
     <p:extLst>
       <p:ext uri="{BB962C8B-B14F-4D97-AF65-F5344CB8AC3E}">
-        <p14:creationId xmlns:p14="http://schemas.microsoft.com/office/powerpoint/2010/main" val="3625453991"/>
+        <p14:creationId xmlns:p14="http://schemas.microsoft.com/office/powerpoint/2010/main" xmlns="" val="3625453991"/>
       </p:ext>
     </p:extLst>
   </p:cSld>
   <p:clrMapOvr>
     <a:masterClrMapping/>
   </p:clrMapOvr>
+  <p:transition spd="slow"/>
   <p:timing>
     <p:tnLst>
       <p:par>
@@ -6738,6 +6576,7 @@
           <a:p>
             <a:fld id="{1CBB6DF8-B4DD-4E80-A138-72D154BCFFEE}" type="slidenum">
               <a:rPr lang="fr-FR" smtClean="0"/>
+              <a:pPr/>
               <a:t>12</a:t>
             </a:fld>
             <a:endParaRPr lang="fr-FR"/>
@@ -6756,7 +6595,7 @@
           <a:blip r:embed="rId2">
             <a:extLst>
               <a:ext uri="{28A0092B-C50C-407E-A947-70E740481C1C}">
-                <a14:useLocalDpi xmlns:a14="http://schemas.microsoft.com/office/drawing/2010/main" val="0"/>
+                <a14:useLocalDpi xmlns:a14="http://schemas.microsoft.com/office/drawing/2010/main" xmlns="" val="0"/>
               </a:ext>
             </a:extLst>
           </a:blip>
@@ -6774,7 +6613,7 @@
           <a:noFill/>
           <a:extLst>
             <a:ext uri="{909E8E84-426E-40DD-AFC4-6F175D3DCCD1}">
-              <a14:hiddenFill xmlns:a14="http://schemas.microsoft.com/office/drawing/2010/main">
+              <a14:hiddenFill xmlns:a14="http://schemas.microsoft.com/office/drawing/2010/main" xmlns="">
                 <a:solidFill>
                   <a:srgbClr val="FFFFFF"/>
                 </a:solidFill>
@@ -7018,13 +6857,14 @@
     </p:spTree>
     <p:extLst>
       <p:ext uri="{BB962C8B-B14F-4D97-AF65-F5344CB8AC3E}">
-        <p14:creationId xmlns:p14="http://schemas.microsoft.com/office/powerpoint/2010/main" val="3413079082"/>
+        <p14:creationId xmlns:p14="http://schemas.microsoft.com/office/powerpoint/2010/main" xmlns="" val="3413079082"/>
       </p:ext>
     </p:extLst>
   </p:cSld>
   <p:clrMapOvr>
     <a:masterClrMapping/>
   </p:clrMapOvr>
+  <p:transition spd="slow"/>
 </p:sld>
 </file>
 
@@ -7080,7 +6920,7 @@
             <p:ph sz="quarter" idx="1"/>
             <p:extLst>
               <p:ext uri="{D42A27DB-BD31-4B8C-83A1-F6EECF244321}">
-                <p14:modId xmlns:p14="http://schemas.microsoft.com/office/powerpoint/2010/main" val="2739031874"/>
+                <p14:modId xmlns:p14="http://schemas.microsoft.com/office/powerpoint/2010/main" xmlns="" val="2739031874"/>
               </p:ext>
             </p:extLst>
           </p:nvPr>
@@ -7135,6 +6975,7 @@
           <a:p>
             <a:fld id="{1CBB6DF8-B4DD-4E80-A138-72D154BCFFEE}" type="slidenum">
               <a:rPr lang="fr-FR" smtClean="0"/>
+              <a:pPr/>
               <a:t>13</a:t>
             </a:fld>
             <a:endParaRPr lang="fr-FR"/>
@@ -7144,13 +6985,14 @@
     </p:spTree>
     <p:extLst>
       <p:ext uri="{BB962C8B-B14F-4D97-AF65-F5344CB8AC3E}">
-        <p14:creationId xmlns:p14="http://schemas.microsoft.com/office/powerpoint/2010/main" val="2876686551"/>
+        <p14:creationId xmlns:p14="http://schemas.microsoft.com/office/powerpoint/2010/main" xmlns="" val="2876686551"/>
       </p:ext>
     </p:extLst>
   </p:cSld>
   <p:clrMapOvr>
     <a:masterClrMapping/>
   </p:clrMapOvr>
+  <p:transition spd="slow"/>
   <p:timing>
     <p:tnLst>
       <p:par>
@@ -7213,7 +7055,7 @@
             <p:ph sz="quarter" idx="1"/>
             <p:extLst>
               <p:ext uri="{D42A27DB-BD31-4B8C-83A1-F6EECF244321}">
-                <p14:modId xmlns:p14="http://schemas.microsoft.com/office/powerpoint/2010/main" val="2225978901"/>
+                <p14:modId xmlns:p14="http://schemas.microsoft.com/office/powerpoint/2010/main" xmlns="" val="2225978901"/>
               </p:ext>
             </p:extLst>
           </p:nvPr>
@@ -7268,6 +7110,7 @@
           <a:p>
             <a:fld id="{1CBB6DF8-B4DD-4E80-A138-72D154BCFFEE}" type="slidenum">
               <a:rPr lang="fr-FR" smtClean="0"/>
+              <a:pPr/>
               <a:t>14</a:t>
             </a:fld>
             <a:endParaRPr lang="fr-FR"/>
@@ -7277,13 +7120,14 @@
     </p:spTree>
     <p:extLst>
       <p:ext uri="{BB962C8B-B14F-4D97-AF65-F5344CB8AC3E}">
-        <p14:creationId xmlns:p14="http://schemas.microsoft.com/office/powerpoint/2010/main" val="3927707649"/>
+        <p14:creationId xmlns:p14="http://schemas.microsoft.com/office/powerpoint/2010/main" xmlns="" val="3927707649"/>
       </p:ext>
     </p:extLst>
   </p:cSld>
   <p:clrMapOvr>
     <a:masterClrMapping/>
   </p:clrMapOvr>
+  <p:transition spd="slow"/>
   <p:timing>
     <p:tnLst>
       <p:par>
@@ -7330,11 +7174,7 @@
           <a:p>
             <a:r>
               <a:rPr lang="fr-FR" dirty="0" smtClean="0"/>
-              <a:t>MP</a:t>
-            </a:r>
-            <a:r>
-              <a:rPr lang="fr-FR" dirty="0" smtClean="0"/>
-              <a:t>SI – MP </a:t>
+              <a:t>MPSI – MP </a:t>
             </a:r>
             <a:endParaRPr lang="fr-FR" dirty="0"/>
           </a:p>
@@ -7350,7 +7190,7 @@
             <p:ph sz="quarter" idx="1"/>
             <p:extLst>
               <p:ext uri="{D42A27DB-BD31-4B8C-83A1-F6EECF244321}">
-                <p14:modId xmlns:p14="http://schemas.microsoft.com/office/powerpoint/2010/main" val="1194340047"/>
+                <p14:modId xmlns:p14="http://schemas.microsoft.com/office/powerpoint/2010/main" xmlns="" val="1194340047"/>
               </p:ext>
             </p:extLst>
           </p:nvPr>
@@ -7405,6 +7245,7 @@
           <a:p>
             <a:fld id="{1CBB6DF8-B4DD-4E80-A138-72D154BCFFEE}" type="slidenum">
               <a:rPr lang="fr-FR" smtClean="0"/>
+              <a:pPr/>
               <a:t>15</a:t>
             </a:fld>
             <a:endParaRPr lang="fr-FR"/>
@@ -7414,13 +7255,14 @@
     </p:spTree>
     <p:extLst>
       <p:ext uri="{BB962C8B-B14F-4D97-AF65-F5344CB8AC3E}">
-        <p14:creationId xmlns:p14="http://schemas.microsoft.com/office/powerpoint/2010/main" val="3024119915"/>
+        <p14:creationId xmlns:p14="http://schemas.microsoft.com/office/powerpoint/2010/main" xmlns="" val="3024119915"/>
       </p:ext>
     </p:extLst>
   </p:cSld>
   <p:clrMapOvr>
     <a:masterClrMapping/>
   </p:clrMapOvr>
+  <p:transition spd="slow"/>
   <p:timing>
     <p:tnLst>
       <p:par>
@@ -7483,7 +7325,7 @@
             <p:ph sz="quarter" idx="1"/>
             <p:extLst>
               <p:ext uri="{D42A27DB-BD31-4B8C-83A1-F6EECF244321}">
-                <p14:modId xmlns:p14="http://schemas.microsoft.com/office/powerpoint/2010/main" val="2560467522"/>
+                <p14:modId xmlns:p14="http://schemas.microsoft.com/office/powerpoint/2010/main" xmlns="" val="2560467522"/>
               </p:ext>
             </p:extLst>
           </p:nvPr>
@@ -7538,6 +7380,7 @@
           <a:p>
             <a:fld id="{1CBB6DF8-B4DD-4E80-A138-72D154BCFFEE}" type="slidenum">
               <a:rPr lang="fr-FR" smtClean="0"/>
+              <a:pPr/>
               <a:t>16</a:t>
             </a:fld>
             <a:endParaRPr lang="fr-FR"/>
@@ -7547,13 +7390,14 @@
     </p:spTree>
     <p:extLst>
       <p:ext uri="{BB962C8B-B14F-4D97-AF65-F5344CB8AC3E}">
-        <p14:creationId xmlns:p14="http://schemas.microsoft.com/office/powerpoint/2010/main" val="289855745"/>
+        <p14:creationId xmlns:p14="http://schemas.microsoft.com/office/powerpoint/2010/main" xmlns="" val="289855745"/>
       </p:ext>
     </p:extLst>
   </p:cSld>
   <p:clrMapOvr>
     <a:masterClrMapping/>
   </p:clrMapOvr>
+  <p:transition spd="slow"/>
   <p:timing>
     <p:tnLst>
       <p:par>
@@ -7616,7 +7460,7 @@
             <p:ph sz="quarter" idx="1"/>
             <p:extLst>
               <p:ext uri="{D42A27DB-BD31-4B8C-83A1-F6EECF244321}">
-                <p14:modId xmlns:p14="http://schemas.microsoft.com/office/powerpoint/2010/main" val="268200363"/>
+                <p14:modId xmlns:p14="http://schemas.microsoft.com/office/powerpoint/2010/main" xmlns="" val="268200363"/>
               </p:ext>
             </p:extLst>
           </p:nvPr>
@@ -7671,6 +7515,7 @@
           <a:p>
             <a:fld id="{1CBB6DF8-B4DD-4E80-A138-72D154BCFFEE}" type="slidenum">
               <a:rPr lang="fr-FR" smtClean="0"/>
+              <a:pPr/>
               <a:t>17</a:t>
             </a:fld>
             <a:endParaRPr lang="fr-FR"/>
@@ -7680,13 +7525,14 @@
     </p:spTree>
     <p:extLst>
       <p:ext uri="{BB962C8B-B14F-4D97-AF65-F5344CB8AC3E}">
-        <p14:creationId xmlns:p14="http://schemas.microsoft.com/office/powerpoint/2010/main" val="4186299133"/>
+        <p14:creationId xmlns:p14="http://schemas.microsoft.com/office/powerpoint/2010/main" xmlns="" val="4186299133"/>
       </p:ext>
     </p:extLst>
   </p:cSld>
   <p:clrMapOvr>
     <a:masterClrMapping/>
   </p:clrMapOvr>
+  <p:transition spd="slow"/>
   <p:timing>
     <p:tnLst>
       <p:par>
@@ -7796,6 +7642,7 @@
           <a:p>
             <a:fld id="{1CBB6DF8-B4DD-4E80-A138-72D154BCFFEE}" type="slidenum">
               <a:rPr lang="fr-FR" smtClean="0"/>
+              <a:pPr/>
               <a:t>18</a:t>
             </a:fld>
             <a:endParaRPr lang="fr-FR"/>
@@ -7805,7 +7652,7 @@
     </p:spTree>
     <p:extLst>
       <p:ext uri="{BB962C8B-B14F-4D97-AF65-F5344CB8AC3E}">
-        <p14:creationId xmlns:p14="http://schemas.microsoft.com/office/powerpoint/2010/main" val="10568022"/>
+        <p14:creationId xmlns:p14="http://schemas.microsoft.com/office/powerpoint/2010/main" xmlns="" val="10568022"/>
       </p:ext>
     </p:extLst>
   </p:cSld>
@@ -7911,6 +7758,7 @@
           <a:p>
             <a:fld id="{1CBB6DF8-B4DD-4E80-A138-72D154BCFFEE}" type="slidenum">
               <a:rPr lang="fr-FR" smtClean="0"/>
+              <a:pPr/>
               <a:t>19</a:t>
             </a:fld>
             <a:endParaRPr lang="fr-FR"/>
@@ -8093,7 +7941,7 @@
     </p:spTree>
     <p:extLst>
       <p:ext uri="{BB962C8B-B14F-4D97-AF65-F5344CB8AC3E}">
-        <p14:creationId xmlns:p14="http://schemas.microsoft.com/office/powerpoint/2010/main" val="3734614943"/>
+        <p14:creationId xmlns:p14="http://schemas.microsoft.com/office/powerpoint/2010/main" xmlns="" val="3734614943"/>
       </p:ext>
     </p:extLst>
   </p:cSld>
@@ -8192,17 +8040,8 @@
           <a:p>
             <a:r>
               <a:rPr lang="fr-FR" dirty="0" smtClean="0"/>
-              <a:t>Les </a:t>
-            </a:r>
-            <a:r>
-              <a:rPr lang="fr-FR" dirty="0" smtClean="0"/>
-              <a:t>spécificités des </a:t>
-            </a:r>
-            <a:r>
-              <a:rPr lang="fr-FR" dirty="0" smtClean="0"/>
-              <a:t>CPGE</a:t>
-            </a:r>
-            <a:endParaRPr lang="fr-FR" dirty="0" smtClean="0"/>
+              <a:t>Les spécificités des CPGE</a:t>
+            </a:r>
           </a:p>
           <a:p>
             <a:pPr lvl="1"/>
@@ -8260,6 +8099,7 @@
           <a:p>
             <a:fld id="{1CBB6DF8-B4DD-4E80-A138-72D154BCFFEE}" type="slidenum">
               <a:rPr lang="fr-FR" smtClean="0"/>
+              <a:pPr/>
               <a:t>2</a:t>
             </a:fld>
             <a:endParaRPr lang="fr-FR"/>
@@ -8269,7 +8109,7 @@
     </p:spTree>
     <p:extLst>
       <p:ext uri="{BB962C8B-B14F-4D97-AF65-F5344CB8AC3E}">
-        <p14:creationId xmlns:p14="http://schemas.microsoft.com/office/powerpoint/2010/main" val="3147520655"/>
+        <p14:creationId xmlns:p14="http://schemas.microsoft.com/office/powerpoint/2010/main" xmlns="" val="3147520655"/>
       </p:ext>
     </p:extLst>
   </p:cSld>
@@ -8472,6 +8312,7 @@
           <a:p>
             <a:fld id="{1CBB6DF8-B4DD-4E80-A138-72D154BCFFEE}" type="slidenum">
               <a:rPr lang="fr-FR" smtClean="0"/>
+              <a:pPr/>
               <a:t>20</a:t>
             </a:fld>
             <a:endParaRPr lang="fr-FR"/>
@@ -8481,7 +8322,7 @@
     </p:spTree>
     <p:extLst>
       <p:ext uri="{BB962C8B-B14F-4D97-AF65-F5344CB8AC3E}">
-        <p14:creationId xmlns:p14="http://schemas.microsoft.com/office/powerpoint/2010/main" val="828930698"/>
+        <p14:creationId xmlns:p14="http://schemas.microsoft.com/office/powerpoint/2010/main" xmlns="" val="828930698"/>
       </p:ext>
     </p:extLst>
   </p:cSld>
@@ -8587,11 +8428,7 @@
             <a:pPr lvl="1"/>
             <a:r>
               <a:rPr lang="fr-FR" dirty="0" smtClean="0"/>
-              <a:t>Climat de travail sécurisant et </a:t>
-            </a:r>
-            <a:r>
-              <a:rPr lang="fr-FR" dirty="0" smtClean="0"/>
-              <a:t>agréable</a:t>
+              <a:t>Climat de travail sécurisant et agréable</a:t>
             </a:r>
           </a:p>
           <a:p>
@@ -8600,7 +8437,6 @@
               <a:rPr lang="fr-FR" dirty="0" smtClean="0"/>
               <a:t>Généralement un enseignant pour une classe</a:t>
             </a:r>
-            <a:endParaRPr lang="fr-FR" dirty="0" smtClean="0"/>
           </a:p>
           <a:p>
             <a:pPr marL="0" indent="0">
@@ -8701,6 +8537,7 @@
           <a:p>
             <a:fld id="{1CBB6DF8-B4DD-4E80-A138-72D154BCFFEE}" type="slidenum">
               <a:rPr lang="fr-FR" smtClean="0"/>
+              <a:pPr/>
               <a:t>21</a:t>
             </a:fld>
             <a:endParaRPr lang="fr-FR"/>
@@ -8710,7 +8547,7 @@
     </p:spTree>
     <p:extLst>
       <p:ext uri="{BB962C8B-B14F-4D97-AF65-F5344CB8AC3E}">
-        <p14:creationId xmlns:p14="http://schemas.microsoft.com/office/powerpoint/2010/main" val="1630853213"/>
+        <p14:creationId xmlns:p14="http://schemas.microsoft.com/office/powerpoint/2010/main" xmlns="" val="1630853213"/>
       </p:ext>
     </p:extLst>
   </p:cSld>
@@ -8875,6 +8712,7 @@
           <a:p>
             <a:fld id="{1CBB6DF8-B4DD-4E80-A138-72D154BCFFEE}" type="slidenum">
               <a:rPr lang="fr-FR" smtClean="0"/>
+              <a:pPr/>
               <a:t>22</a:t>
             </a:fld>
             <a:endParaRPr lang="fr-FR"/>
@@ -8884,7 +8722,7 @@
     </p:spTree>
     <p:extLst>
       <p:ext uri="{BB962C8B-B14F-4D97-AF65-F5344CB8AC3E}">
-        <p14:creationId xmlns:p14="http://schemas.microsoft.com/office/powerpoint/2010/main" val="257158660"/>
+        <p14:creationId xmlns:p14="http://schemas.microsoft.com/office/powerpoint/2010/main" xmlns="" val="257158660"/>
       </p:ext>
     </p:extLst>
   </p:cSld>
@@ -8981,6 +8819,7 @@
           <a:p>
             <a:fld id="{1CBB6DF8-B4DD-4E80-A138-72D154BCFFEE}" type="slidenum">
               <a:rPr lang="fr-FR" smtClean="0"/>
+              <a:pPr/>
               <a:t>23</a:t>
             </a:fld>
             <a:endParaRPr lang="fr-FR"/>
@@ -9076,7 +8915,7 @@
           <a:blip r:embed="rId2">
             <a:extLst>
               <a:ext uri="{28A0092B-C50C-407E-A947-70E740481C1C}">
-                <a14:useLocalDpi xmlns:a14="http://schemas.microsoft.com/office/drawing/2010/main" val="0"/>
+                <a14:useLocalDpi xmlns:a14="http://schemas.microsoft.com/office/drawing/2010/main" xmlns="" val="0"/>
               </a:ext>
             </a:extLst>
           </a:blip>
@@ -9103,14 +8942,14 @@
           </a:effectLst>
           <a:extLst>
             <a:ext uri="{909E8E84-426E-40DD-AFC4-6F175D3DCCD1}">
-              <a14:hiddenFill xmlns:a14="http://schemas.microsoft.com/office/drawing/2010/main">
+              <a14:hiddenFill xmlns:a14="http://schemas.microsoft.com/office/drawing/2010/main" xmlns="">
                 <a:solidFill>
                   <a:schemeClr val="accent1"/>
                 </a:solidFill>
               </a14:hiddenFill>
             </a:ext>
             <a:ext uri="{91240B29-F687-4F45-9708-019B960494DF}">
-              <a14:hiddenLine xmlns:a14="http://schemas.microsoft.com/office/drawing/2010/main" w="9525">
+              <a14:hiddenLine xmlns:a14="http://schemas.microsoft.com/office/drawing/2010/main" xmlns="" w="9525">
                 <a:solidFill>
                   <a:schemeClr val="tx1"/>
                 </a:solidFill>
@@ -9119,22 +8958,13 @@
                 <a:tailEnd/>
               </a14:hiddenLine>
             </a:ext>
-            <a:ext uri="{AF507438-7753-43E0-B8FC-AC1667EBCBE1}">
-              <a14:hiddenEffects xmlns:a14="http://schemas.microsoft.com/office/drawing/2010/main">
-                <a:effectLst>
-                  <a:outerShdw dist="35921" dir="2700000" algn="ctr" rotWithShape="0">
-                    <a:schemeClr val="bg2"/>
-                  </a:outerShdw>
-                </a:effectLst>
-              </a14:hiddenEffects>
-            </a:ext>
           </a:extLst>
         </p:spPr>
       </p:pic>
     </p:spTree>
     <p:extLst>
       <p:ext uri="{BB962C8B-B14F-4D97-AF65-F5344CB8AC3E}">
-        <p14:creationId xmlns:p14="http://schemas.microsoft.com/office/powerpoint/2010/main" val="1301667319"/>
+        <p14:creationId xmlns:p14="http://schemas.microsoft.com/office/powerpoint/2010/main" xmlns="" val="1301667319"/>
       </p:ext>
     </p:extLst>
   </p:cSld>
@@ -9243,6 +9073,7 @@
           <a:p>
             <a:fld id="{1CBB6DF8-B4DD-4E80-A138-72D154BCFFEE}" type="slidenum">
               <a:rPr lang="fr-FR" smtClean="0"/>
+              <a:pPr/>
               <a:t>24</a:t>
             </a:fld>
             <a:endParaRPr lang="fr-FR"/>
@@ -9252,7 +9083,7 @@
     </p:spTree>
     <p:extLst>
       <p:ext uri="{BB962C8B-B14F-4D97-AF65-F5344CB8AC3E}">
-        <p14:creationId xmlns:p14="http://schemas.microsoft.com/office/powerpoint/2010/main" val="3340554524"/>
+        <p14:creationId xmlns:p14="http://schemas.microsoft.com/office/powerpoint/2010/main" xmlns="" val="3340554524"/>
       </p:ext>
     </p:extLst>
   </p:cSld>
@@ -9305,19 +9136,7 @@
           <a:p>
             <a:r>
               <a:rPr lang="fr-FR" dirty="0" smtClean="0"/>
-              <a:t>Les CPGE </a:t>
-            </a:r>
-            <a:r>
-              <a:rPr lang="fr-FR" dirty="0" smtClean="0"/>
-              <a:t>publiques de </a:t>
-            </a:r>
-            <a:r>
-              <a:rPr lang="fr-FR" dirty="0" smtClean="0"/>
-              <a:t>l’académie de </a:t>
-            </a:r>
-            <a:r>
-              <a:rPr lang="fr-FR" dirty="0" smtClean="0"/>
-              <a:t>Nice</a:t>
+              <a:t>Les CPGE publiques de l’académie de Nice</a:t>
             </a:r>
             <a:br>
               <a:rPr lang="fr-FR" dirty="0" smtClean="0"/>
@@ -9360,7 +9179,6 @@
               <a:rPr lang="fr-FR" sz="1800" dirty="0" smtClean="0"/>
               <a:t>ECS</a:t>
             </a:r>
-            <a:endParaRPr lang="fr-FR" sz="1800" dirty="0" smtClean="0"/>
           </a:p>
           <a:p>
             <a:pPr lvl="1"/>
@@ -9373,13 +9191,8 @@
             <a:pPr lvl="1"/>
             <a:r>
               <a:rPr lang="fr-FR" sz="1600" dirty="0" smtClean="0"/>
-              <a:t>Lycée Masséna à </a:t>
-            </a:r>
-            <a:r>
-              <a:rPr lang="fr-FR" sz="1600" dirty="0" smtClean="0"/>
-              <a:t>Nice</a:t>
-            </a:r>
-            <a:endParaRPr lang="fr-FR" sz="1600" dirty="0" smtClean="0"/>
+              <a:t>Lycée Masséna à Nice</a:t>
+            </a:r>
           </a:p>
         </p:txBody>
       </p:sp>
@@ -9423,6 +9236,7 @@
           <a:p>
             <a:fld id="{1CBB6DF8-B4DD-4E80-A138-72D154BCFFEE}" type="slidenum">
               <a:rPr lang="fr-FR" smtClean="0"/>
+              <a:pPr/>
               <a:t>25</a:t>
             </a:fld>
             <a:endParaRPr lang="fr-FR"/>
@@ -9762,7 +9576,7 @@
     </p:spTree>
     <p:extLst>
       <p:ext uri="{BB962C8B-B14F-4D97-AF65-F5344CB8AC3E}">
-        <p14:creationId xmlns:p14="http://schemas.microsoft.com/office/powerpoint/2010/main" val="1129511258"/>
+        <p14:creationId xmlns:p14="http://schemas.microsoft.com/office/powerpoint/2010/main" xmlns="" val="1129511258"/>
       </p:ext>
     </p:extLst>
   </p:cSld>
@@ -9878,6 +9692,7 @@
           <a:p>
             <a:fld id="{1CBB6DF8-B4DD-4E80-A138-72D154BCFFEE}" type="slidenum">
               <a:rPr lang="fr-FR" smtClean="0"/>
+              <a:pPr/>
               <a:t>3</a:t>
             </a:fld>
             <a:endParaRPr lang="fr-FR"/>
@@ -9887,7 +9702,7 @@
     </p:spTree>
     <p:extLst>
       <p:ext uri="{BB962C8B-B14F-4D97-AF65-F5344CB8AC3E}">
-        <p14:creationId xmlns:p14="http://schemas.microsoft.com/office/powerpoint/2010/main" val="697962331"/>
+        <p14:creationId xmlns:p14="http://schemas.microsoft.com/office/powerpoint/2010/main" xmlns="" val="697962331"/>
       </p:ext>
     </p:extLst>
   </p:cSld>
@@ -9965,7 +9780,7 @@
           <a:blip r:embed="rId2">
             <a:extLst>
               <a:ext uri="{28A0092B-C50C-407E-A947-70E740481C1C}">
-                <a14:useLocalDpi xmlns:a14="http://schemas.microsoft.com/office/drawing/2010/main" val="0"/>
+                <a14:useLocalDpi xmlns:a14="http://schemas.microsoft.com/office/drawing/2010/main" xmlns="" val="0"/>
               </a:ext>
             </a:extLst>
           </a:blip>
@@ -9994,14 +9809,14 @@
           </a:effectLst>
           <a:extLst>
             <a:ext uri="{909E8E84-426E-40DD-AFC4-6F175D3DCCD1}">
-              <a14:hiddenFill xmlns:a14="http://schemas.microsoft.com/office/drawing/2010/main">
+              <a14:hiddenFill xmlns:a14="http://schemas.microsoft.com/office/drawing/2010/main" xmlns="">
                 <a:solidFill>
                   <a:schemeClr val="accent1"/>
                 </a:solidFill>
               </a14:hiddenFill>
             </a:ext>
             <a:ext uri="{91240B29-F687-4F45-9708-019B960494DF}">
-              <a14:hiddenLine xmlns:a14="http://schemas.microsoft.com/office/drawing/2010/main" w="9525">
+              <a14:hiddenLine xmlns:a14="http://schemas.microsoft.com/office/drawing/2010/main" xmlns="" w="9525">
                 <a:solidFill>
                   <a:schemeClr val="tx1"/>
                 </a:solidFill>
@@ -10021,7 +9836,7 @@
         </p:nvSpPr>
         <p:spPr>
           <a:xfrm>
-            <a:off x="6552728" y="6423139"/>
+            <a:off x="5572132" y="7722096"/>
             <a:ext cx="2154757" cy="246221"/>
           </a:xfrm>
           <a:prstGeom prst="rect">
@@ -10052,7 +9867,7 @@
         </p:nvSpPr>
         <p:spPr>
           <a:xfrm>
-            <a:off x="6552728" y="5775067"/>
+            <a:off x="5572132" y="7074024"/>
             <a:ext cx="4572000" cy="246221"/>
           </a:xfrm>
           <a:prstGeom prst="rect">
@@ -10089,7 +9904,7 @@
           <a:blip r:embed="rId5">
             <a:extLst>
               <a:ext uri="{28A0092B-C50C-407E-A947-70E740481C1C}">
-                <a14:useLocalDpi xmlns:a14="http://schemas.microsoft.com/office/drawing/2010/main" val="0"/>
+                <a14:useLocalDpi xmlns:a14="http://schemas.microsoft.com/office/drawing/2010/main" xmlns="" val="0"/>
               </a:ext>
             </a:extLst>
           </a:blip>
@@ -10118,14 +9933,14 @@
           </a:effectLst>
           <a:extLst>
             <a:ext uri="{909E8E84-426E-40DD-AFC4-6F175D3DCCD1}">
-              <a14:hiddenFill xmlns:a14="http://schemas.microsoft.com/office/drawing/2010/main">
+              <a14:hiddenFill xmlns:a14="http://schemas.microsoft.com/office/drawing/2010/main" xmlns="">
                 <a:solidFill>
                   <a:schemeClr val="accent1"/>
                 </a:solidFill>
               </a14:hiddenFill>
             </a:ext>
             <a:ext uri="{91240B29-F687-4F45-9708-019B960494DF}">
-              <a14:hiddenLine xmlns:a14="http://schemas.microsoft.com/office/drawing/2010/main" w="9525">
+              <a14:hiddenLine xmlns:a14="http://schemas.microsoft.com/office/drawing/2010/main" xmlns="" w="9525">
                 <a:solidFill>
                   <a:schemeClr val="tx1"/>
                 </a:solidFill>
@@ -10145,7 +9960,7 @@
         </p:nvSpPr>
         <p:spPr>
           <a:xfrm>
-            <a:off x="6552728" y="6639163"/>
+            <a:off x="5572132" y="7938120"/>
             <a:ext cx="1435158" cy="246221"/>
           </a:xfrm>
           <a:prstGeom prst="rect">
@@ -10180,7 +9995,7 @@
           <a:blip r:embed="rId7">
             <a:extLst>
               <a:ext uri="{28A0092B-C50C-407E-A947-70E740481C1C}">
-                <a14:useLocalDpi xmlns:a14="http://schemas.microsoft.com/office/drawing/2010/main" val="0"/>
+                <a14:useLocalDpi xmlns:a14="http://schemas.microsoft.com/office/drawing/2010/main" xmlns="" val="0"/>
               </a:ext>
             </a:extLst>
           </a:blip>
@@ -10209,14 +10024,14 @@
           </a:effectLst>
           <a:extLst>
             <a:ext uri="{909E8E84-426E-40DD-AFC4-6F175D3DCCD1}">
-              <a14:hiddenFill xmlns:a14="http://schemas.microsoft.com/office/drawing/2010/main">
+              <a14:hiddenFill xmlns:a14="http://schemas.microsoft.com/office/drawing/2010/main" xmlns="">
                 <a:solidFill>
                   <a:schemeClr val="accent1"/>
                 </a:solidFill>
               </a14:hiddenFill>
             </a:ext>
             <a:ext uri="{91240B29-F687-4F45-9708-019B960494DF}">
-              <a14:hiddenLine xmlns:a14="http://schemas.microsoft.com/office/drawing/2010/main" w="9525">
+              <a14:hiddenLine xmlns:a14="http://schemas.microsoft.com/office/drawing/2010/main" xmlns="" w="9525">
                 <a:solidFill>
                   <a:schemeClr val="tx1"/>
                 </a:solidFill>
@@ -10240,7 +10055,7 @@
           <a:blip r:embed="rId8">
             <a:extLst>
               <a:ext uri="{28A0092B-C50C-407E-A947-70E740481C1C}">
-                <a14:useLocalDpi xmlns:a14="http://schemas.microsoft.com/office/drawing/2010/main" val="0"/>
+                <a14:useLocalDpi xmlns:a14="http://schemas.microsoft.com/office/drawing/2010/main" xmlns="" val="0"/>
               </a:ext>
             </a:extLst>
           </a:blip>
@@ -10269,7 +10084,7 @@
           </a:effectLst>
           <a:extLst>
             <a:ext uri="{909E8E84-426E-40DD-AFC4-6F175D3DCCD1}">
-              <a14:hiddenFill xmlns:a14="http://schemas.microsoft.com/office/drawing/2010/main">
+              <a14:hiddenFill xmlns:a14="http://schemas.microsoft.com/office/drawing/2010/main" xmlns="">
                 <a:solidFill>
                   <a:srgbClr val="FFFFFF"/>
                 </a:solidFill>
@@ -10286,7 +10101,7 @@
         </p:nvSpPr>
         <p:spPr>
           <a:xfrm>
-            <a:off x="6552728" y="5559043"/>
+            <a:off x="5572132" y="6858000"/>
             <a:ext cx="4572000" cy="246221"/>
           </a:xfrm>
           <a:prstGeom prst="rect">
@@ -10321,7 +10136,7 @@
           <a:blip r:embed="rId10" cstate="print">
             <a:extLst>
               <a:ext uri="{28A0092B-C50C-407E-A947-70E740481C1C}">
-                <a14:useLocalDpi xmlns:a14="http://schemas.microsoft.com/office/drawing/2010/main" val="0"/>
+                <a14:useLocalDpi xmlns:a14="http://schemas.microsoft.com/office/drawing/2010/main" xmlns="" val="0"/>
               </a:ext>
             </a:extLst>
           </a:blip>
@@ -10350,14 +10165,14 @@
           </a:effectLst>
           <a:extLst>
             <a:ext uri="{909E8E84-426E-40DD-AFC4-6F175D3DCCD1}">
-              <a14:hiddenFill xmlns:a14="http://schemas.microsoft.com/office/drawing/2010/main">
+              <a14:hiddenFill xmlns:a14="http://schemas.microsoft.com/office/drawing/2010/main" xmlns="">
                 <a:solidFill>
                   <a:schemeClr val="accent1"/>
                 </a:solidFill>
               </a14:hiddenFill>
             </a:ext>
             <a:ext uri="{91240B29-F687-4F45-9708-019B960494DF}">
-              <a14:hiddenLine xmlns:a14="http://schemas.microsoft.com/office/drawing/2010/main" w="9525">
+              <a14:hiddenLine xmlns:a14="http://schemas.microsoft.com/office/drawing/2010/main" xmlns="" w="9525">
                 <a:solidFill>
                   <a:schemeClr val="tx1"/>
                 </a:solidFill>
@@ -10377,7 +10192,7 @@
         </p:nvSpPr>
         <p:spPr>
           <a:xfrm>
-            <a:off x="6552728" y="6207115"/>
+            <a:off x="5572132" y="7506072"/>
             <a:ext cx="2140330" cy="246221"/>
           </a:xfrm>
           <a:prstGeom prst="rect">
@@ -10412,7 +10227,7 @@
           <a:blip r:embed="rId12">
             <a:extLst>
               <a:ext uri="{28A0092B-C50C-407E-A947-70E740481C1C}">
-                <a14:useLocalDpi xmlns:a14="http://schemas.microsoft.com/office/drawing/2010/main" val="0"/>
+                <a14:useLocalDpi xmlns:a14="http://schemas.microsoft.com/office/drawing/2010/main" xmlns="" val="0"/>
               </a:ext>
             </a:extLst>
           </a:blip>
@@ -10441,14 +10256,14 @@
           </a:effectLst>
           <a:extLst>
             <a:ext uri="{909E8E84-426E-40DD-AFC4-6F175D3DCCD1}">
-              <a14:hiddenFill xmlns:a14="http://schemas.microsoft.com/office/drawing/2010/main">
+              <a14:hiddenFill xmlns:a14="http://schemas.microsoft.com/office/drawing/2010/main" xmlns="">
                 <a:solidFill>
                   <a:schemeClr val="accent1"/>
                 </a:solidFill>
               </a14:hiddenFill>
             </a:ext>
             <a:ext uri="{91240B29-F687-4F45-9708-019B960494DF}">
-              <a14:hiddenLine xmlns:a14="http://schemas.microsoft.com/office/drawing/2010/main" w="9525">
+              <a14:hiddenLine xmlns:a14="http://schemas.microsoft.com/office/drawing/2010/main" xmlns="" w="9525">
                 <a:solidFill>
                   <a:schemeClr val="tx1"/>
                 </a:solidFill>
@@ -10457,15 +10272,6 @@
                 <a:tailEnd/>
               </a14:hiddenLine>
             </a:ext>
-            <a:ext uri="{AF507438-7753-43E0-B8FC-AC1667EBCBE1}">
-              <a14:hiddenEffects xmlns:a14="http://schemas.microsoft.com/office/drawing/2010/main">
-                <a:effectLst>
-                  <a:outerShdw dist="35921" dir="2700000" algn="ctr" rotWithShape="0">
-                    <a:schemeClr val="bg2"/>
-                  </a:outerShdw>
-                </a:effectLst>
-              </a14:hiddenEffects>
-            </a:ext>
           </a:extLst>
         </p:spPr>
       </p:pic>
@@ -10477,7 +10283,7 @@
         </p:nvSpPr>
         <p:spPr>
           <a:xfrm>
-            <a:off x="6552728" y="5991091"/>
+            <a:off x="5572132" y="7290048"/>
             <a:ext cx="2409634" cy="246221"/>
           </a:xfrm>
           <a:prstGeom prst="rect">
@@ -10540,6 +10346,7 @@
           <a:p>
             <a:fld id="{1CBB6DF8-B4DD-4E80-A138-72D154BCFFEE}" type="slidenum">
               <a:rPr lang="fr-FR" smtClean="0"/>
+              <a:pPr/>
               <a:t>4</a:t>
             </a:fld>
             <a:endParaRPr lang="fr-FR"/>
@@ -10862,7 +10669,7 @@
     </p:spTree>
     <p:extLst>
       <p:ext uri="{BB962C8B-B14F-4D97-AF65-F5344CB8AC3E}">
-        <p14:creationId xmlns:p14="http://schemas.microsoft.com/office/powerpoint/2010/main" val="4000444817"/>
+        <p14:creationId xmlns:p14="http://schemas.microsoft.com/office/powerpoint/2010/main" xmlns="" val="4000444817"/>
       </p:ext>
     </p:extLst>
   </p:cSld>
@@ -11032,6 +10839,7 @@
           <a:p>
             <a:fld id="{1CBB6DF8-B4DD-4E80-A138-72D154BCFFEE}" type="slidenum">
               <a:rPr lang="fr-FR" smtClean="0"/>
+              <a:pPr/>
               <a:t>5</a:t>
             </a:fld>
             <a:endParaRPr lang="fr-FR"/>
@@ -11041,7 +10849,7 @@
     </p:spTree>
     <p:extLst>
       <p:ext uri="{BB962C8B-B14F-4D97-AF65-F5344CB8AC3E}">
-        <p14:creationId xmlns:p14="http://schemas.microsoft.com/office/powerpoint/2010/main" val="1593473014"/>
+        <p14:creationId xmlns:p14="http://schemas.microsoft.com/office/powerpoint/2010/main" xmlns="" val="1593473014"/>
       </p:ext>
     </p:extLst>
   </p:cSld>
@@ -11177,7 +10985,7 @@
           <a:blip r:embed="rId2">
             <a:extLst>
               <a:ext uri="{28A0092B-C50C-407E-A947-70E740481C1C}">
-                <a14:useLocalDpi xmlns:a14="http://schemas.microsoft.com/office/drawing/2010/main" val="0"/>
+                <a14:useLocalDpi xmlns:a14="http://schemas.microsoft.com/office/drawing/2010/main" xmlns="" val="0"/>
               </a:ext>
             </a:extLst>
           </a:blip>
@@ -11197,7 +11005,7 @@
           <a:noFill/>
           <a:extLst>
             <a:ext uri="{909E8E84-426E-40DD-AFC4-6F175D3DCCD1}">
-              <a14:hiddenFill xmlns:a14="http://schemas.microsoft.com/office/drawing/2010/main">
+              <a14:hiddenFill xmlns:a14="http://schemas.microsoft.com/office/drawing/2010/main" xmlns="">
                 <a:solidFill>
                   <a:srgbClr val="FFFFFF"/>
                 </a:solidFill>
@@ -11249,7 +11057,7 @@
           <a:blip r:embed="rId4">
             <a:extLst>
               <a:ext uri="{28A0092B-C50C-407E-A947-70E740481C1C}">
-                <a14:useLocalDpi xmlns:a14="http://schemas.microsoft.com/office/drawing/2010/main" val="0"/>
+                <a14:useLocalDpi xmlns:a14="http://schemas.microsoft.com/office/drawing/2010/main" xmlns="" val="0"/>
               </a:ext>
             </a:extLst>
           </a:blip>
@@ -11269,7 +11077,7 @@
           <a:noFill/>
           <a:extLst>
             <a:ext uri="{909E8E84-426E-40DD-AFC4-6F175D3DCCD1}">
-              <a14:hiddenFill xmlns:a14="http://schemas.microsoft.com/office/drawing/2010/main">
+              <a14:hiddenFill xmlns:a14="http://schemas.microsoft.com/office/drawing/2010/main" xmlns="">
                 <a:solidFill>
                   <a:srgbClr val="FFFFFF"/>
                 </a:solidFill>
@@ -11304,7 +11112,7 @@
             <a:blip r:embed="rId5">
               <a:extLst>
                 <a:ext uri="{28A0092B-C50C-407E-A947-70E740481C1C}">
-                  <a14:useLocalDpi xmlns:a14="http://schemas.microsoft.com/office/drawing/2010/main" val="0"/>
+                  <a14:useLocalDpi xmlns:a14="http://schemas.microsoft.com/office/drawing/2010/main" xmlns="" val="0"/>
                 </a:ext>
               </a:extLst>
             </a:blip>
@@ -11328,14 +11136,14 @@
             <a:effectLst/>
             <a:extLst>
               <a:ext uri="{909E8E84-426E-40DD-AFC4-6F175D3DCCD1}">
-                <a14:hiddenFill xmlns:a14="http://schemas.microsoft.com/office/drawing/2010/main">
+                <a14:hiddenFill xmlns:a14="http://schemas.microsoft.com/office/drawing/2010/main" xmlns="">
                   <a:solidFill>
                     <a:schemeClr val="accent1"/>
                   </a:solidFill>
                 </a14:hiddenFill>
               </a:ext>
               <a:ext uri="{91240B29-F687-4F45-9708-019B960494DF}">
-                <a14:hiddenLine xmlns:a14="http://schemas.microsoft.com/office/drawing/2010/main" w="9525">
+                <a14:hiddenLine xmlns:a14="http://schemas.microsoft.com/office/drawing/2010/main" xmlns="" w="9525">
                   <a:solidFill>
                     <a:schemeClr val="tx1"/>
                   </a:solidFill>
@@ -11345,7 +11153,7 @@
                 </a14:hiddenLine>
               </a:ext>
               <a:ext uri="{AF507438-7753-43E0-B8FC-AC1667EBCBE1}">
-                <a14:hiddenEffects xmlns:a14="http://schemas.microsoft.com/office/drawing/2010/main">
+                <a14:hiddenEffects xmlns:a14="http://schemas.microsoft.com/office/drawing/2010/main" xmlns="">
                   <a:effectLst>
                     <a:outerShdw dist="35921" dir="2700000" algn="ctr" rotWithShape="0">
                       <a:schemeClr val="bg2"/>
@@ -11368,7 +11176,7 @@
             <a:blip r:embed="rId6">
               <a:extLst>
                 <a:ext uri="{28A0092B-C50C-407E-A947-70E740481C1C}">
-                  <a14:useLocalDpi xmlns:a14="http://schemas.microsoft.com/office/drawing/2010/main" val="0"/>
+                  <a14:useLocalDpi xmlns:a14="http://schemas.microsoft.com/office/drawing/2010/main" xmlns="" val="0"/>
                 </a:ext>
               </a:extLst>
             </a:blip>
@@ -11388,7 +11196,7 @@
             <a:noFill/>
             <a:extLst>
               <a:ext uri="{909E8E84-426E-40DD-AFC4-6F175D3DCCD1}">
-                <a14:hiddenFill xmlns:a14="http://schemas.microsoft.com/office/drawing/2010/main">
+                <a14:hiddenFill xmlns:a14="http://schemas.microsoft.com/office/drawing/2010/main" xmlns="">
                   <a:solidFill>
                     <a:srgbClr val="FFFFFF"/>
                   </a:solidFill>
@@ -11409,7 +11217,7 @@
             <a:blip r:embed="rId7">
               <a:extLst>
                 <a:ext uri="{28A0092B-C50C-407E-A947-70E740481C1C}">
-                  <a14:useLocalDpi xmlns:a14="http://schemas.microsoft.com/office/drawing/2010/main" val="0"/>
+                  <a14:useLocalDpi xmlns:a14="http://schemas.microsoft.com/office/drawing/2010/main" xmlns="" val="0"/>
                 </a:ext>
               </a:extLst>
             </a:blip>
@@ -11429,7 +11237,7 @@
             <a:noFill/>
             <a:extLst>
               <a:ext uri="{909E8E84-426E-40DD-AFC4-6F175D3DCCD1}">
-                <a14:hiddenFill xmlns:a14="http://schemas.microsoft.com/office/drawing/2010/main">
+                <a14:hiddenFill xmlns:a14="http://schemas.microsoft.com/office/drawing/2010/main" xmlns="">
                   <a:solidFill>
                     <a:srgbClr val="FFFFFF"/>
                   </a:solidFill>
@@ -11479,6 +11287,7 @@
           <a:p>
             <a:fld id="{1CBB6DF8-B4DD-4E80-A138-72D154BCFFEE}" type="slidenum">
               <a:rPr lang="fr-FR" smtClean="0"/>
+              <a:pPr/>
               <a:t>6</a:t>
             </a:fld>
             <a:endParaRPr lang="fr-FR"/>
@@ -11488,7 +11297,7 @@
     </p:spTree>
     <p:extLst>
       <p:ext uri="{BB962C8B-B14F-4D97-AF65-F5344CB8AC3E}">
-        <p14:creationId xmlns:p14="http://schemas.microsoft.com/office/powerpoint/2010/main" val="2741274288"/>
+        <p14:creationId xmlns:p14="http://schemas.microsoft.com/office/powerpoint/2010/main" xmlns="" val="2741274288"/>
       </p:ext>
     </p:extLst>
   </p:cSld>
@@ -11539,11 +11348,7 @@
           <a:p>
             <a:r>
               <a:rPr lang="fr-FR" dirty="0" smtClean="0"/>
-              <a:t>Les voies </a:t>
-            </a:r>
-            <a:r>
-              <a:rPr lang="fr-FR" dirty="0" smtClean="0"/>
-              <a:t>d’accès aux écoles d’ingénieur</a:t>
+              <a:t>Les voies d’accès aux écoles d’ingénieur</a:t>
             </a:r>
             <a:endParaRPr lang="fr-FR" dirty="0"/>
           </a:p>
@@ -11608,6 +11413,7 @@
           <a:p>
             <a:fld id="{1CBB6DF8-B4DD-4E80-A138-72D154BCFFEE}" type="slidenum">
               <a:rPr lang="fr-FR" smtClean="0"/>
+              <a:pPr/>
               <a:t>7</a:t>
             </a:fld>
             <a:endParaRPr lang="fr-FR"/>
@@ -11617,7 +11423,7 @@
     </p:spTree>
     <p:extLst>
       <p:ext uri="{BB962C8B-B14F-4D97-AF65-F5344CB8AC3E}">
-        <p14:creationId xmlns:p14="http://schemas.microsoft.com/office/powerpoint/2010/main" val="3711824119"/>
+        <p14:creationId xmlns:p14="http://schemas.microsoft.com/office/powerpoint/2010/main" xmlns="" val="3711824119"/>
       </p:ext>
     </p:extLst>
   </p:cSld>
@@ -13066,7 +12872,7 @@
           <a:p>
             <a:r>
               <a:rPr lang="fr-FR" smtClean="0"/>
-              <a:t>Présentation des CPGE - Classes de Terminales S</a:t>
+              <a:t>Présentation des CPGE - Classes de Première S</a:t>
             </a:r>
             <a:endParaRPr lang="fr-FR"/>
           </a:p>
@@ -13089,6 +12895,7 @@
           <a:p>
             <a:fld id="{1CBB6DF8-B4DD-4E80-A138-72D154BCFFEE}" type="slidenum">
               <a:rPr lang="fr-FR" smtClean="0"/>
+              <a:pPr/>
               <a:t>8</a:t>
             </a:fld>
             <a:endParaRPr lang="fr-FR"/>
@@ -13098,7 +12905,7 @@
     </p:spTree>
     <p:extLst>
       <p:ext uri="{BB962C8B-B14F-4D97-AF65-F5344CB8AC3E}">
-        <p14:creationId xmlns:p14="http://schemas.microsoft.com/office/powerpoint/2010/main" val="1865767082"/>
+        <p14:creationId xmlns:p14="http://schemas.microsoft.com/office/powerpoint/2010/main" xmlns="" val="1865767082"/>
       </p:ext>
     </p:extLst>
   </p:cSld>
@@ -13182,42 +12989,43 @@
           <a:p>
             <a:r>
               <a:rPr lang="fr-FR" dirty="0" smtClean="0"/>
-              <a:t>2 ans de formations (possibilité de redoubler la seconde année</a:t>
-            </a:r>
-            <a:r>
-              <a:rPr lang="fr-FR" dirty="0" smtClean="0"/>
-              <a:t>)</a:t>
+              <a:t>2 ans de formations (possibilité de redoubler la seconde année)</a:t>
             </a:r>
           </a:p>
           <a:p>
             <a:endParaRPr lang="fr-FR" dirty="0" smtClean="0"/>
           </a:p>
           <a:p>
-            <a:r>
-              <a:rPr lang="fr-FR" dirty="0" smtClean="0"/>
-              <a:t>Préparation </a:t>
-            </a:r>
-            <a:r>
-              <a:rPr lang="fr-FR" dirty="0" smtClean="0"/>
-              <a:t>à des concours d’accès aux grandes écoles (épreuves </a:t>
-            </a:r>
-            <a:r>
-              <a:rPr lang="fr-FR" dirty="0" smtClean="0"/>
-              <a:t>écrites puis orales) </a:t>
-            </a:r>
-            <a:endParaRPr lang="fr-FR" dirty="0" smtClean="0"/>
-          </a:p>
-          <a:p>
-            <a:endParaRPr lang="fr-FR" dirty="0" smtClean="0"/>
-          </a:p>
-          <a:p>
-            <a:r>
-              <a:rPr lang="fr-FR" dirty="0" smtClean="0"/>
-              <a:t>Validation de crédits </a:t>
-            </a:r>
-            <a:r>
-              <a:rPr lang="fr-FR" dirty="0" smtClean="0"/>
-              <a:t>ECTS</a:t>
+            <a:pPr lvl="1"/>
+            <a:r>
+              <a:rPr lang="fr-FR" dirty="0" smtClean="0"/>
+              <a:t>Préparation à des concours d’accès aux grandes écoles (épreuves écrites puis orales) </a:t>
+            </a:r>
+          </a:p>
+          <a:p>
+            <a:pPr lvl="1"/>
+            <a:r>
+              <a:rPr lang="fr-FR" dirty="0" smtClean="0"/>
+              <a:t>Validation de crédits ECTS</a:t>
+            </a:r>
+          </a:p>
+          <a:p>
+            <a:pPr lvl="1"/>
+            <a:endParaRPr lang="fr-FR" dirty="0"/>
+          </a:p>
+          <a:p>
+            <a:r>
+              <a:rPr lang="fr-FR" dirty="0" smtClean="0"/>
+              <a:t>3 à 4 ans de formation en école d’ingénieur</a:t>
+            </a:r>
+          </a:p>
+          <a:p>
+            <a:endParaRPr lang="fr-FR" dirty="0"/>
+          </a:p>
+          <a:p>
+            <a:r>
+              <a:rPr lang="fr-FR" dirty="0" smtClean="0"/>
+              <a:t>Éventuellement 3 ans de doctorat</a:t>
             </a:r>
           </a:p>
         </p:txBody>
@@ -13262,6 +13070,7 @@
           <a:p>
             <a:fld id="{1CBB6DF8-B4DD-4E80-A138-72D154BCFFEE}" type="slidenum">
               <a:rPr lang="fr-FR" smtClean="0"/>
+              <a:pPr/>
               <a:t>9</a:t>
             </a:fld>
             <a:endParaRPr lang="fr-FR"/>
@@ -13271,7 +13080,7 @@
     </p:spTree>
     <p:extLst>
       <p:ext uri="{BB962C8B-B14F-4D97-AF65-F5344CB8AC3E}">
-        <p14:creationId xmlns:p14="http://schemas.microsoft.com/office/powerpoint/2010/main" val="254375803"/>
+        <p14:creationId xmlns:p14="http://schemas.microsoft.com/office/powerpoint/2010/main" xmlns="" val="254375803"/>
       </p:ext>
     </p:extLst>
   </p:cSld>

--- a/Rouviere/PresentationCPGE.pptx
+++ b/Rouviere/PresentationCPGE.pptx
@@ -250,7 +250,6 @@
             </c:numRef>
           </c:val>
         </c:ser>
-        <c:dLbls/>
       </c:pie3DChart>
     </c:plotArea>
     <c:legend>
@@ -286,6 +285,7 @@
 
 <file path=ppt/charts/chart2.xml><?xml version="1.0" encoding="utf-8"?>
 <c:chartSpace xmlns:c="http://schemas.openxmlformats.org/drawingml/2006/chart" xmlns:a="http://schemas.openxmlformats.org/drawingml/2006/main" xmlns:r="http://schemas.openxmlformats.org/officeDocument/2006/relationships">
+  <c:date1904 val="1"/>
   <c:lang val="fr-FR"/>
   <c:chart>
     <c:title>
@@ -400,7 +400,6 @@
             </c:numRef>
           </c:val>
         </c:ser>
-        <c:dLbls/>
       </c:pie3DChart>
     </c:plotArea>
     <c:legend>
@@ -436,6 +435,7 @@
 
 <file path=ppt/charts/chart3.xml><?xml version="1.0" encoding="utf-8"?>
 <c:chartSpace xmlns:c="http://schemas.openxmlformats.org/drawingml/2006/chart" xmlns:a="http://schemas.openxmlformats.org/drawingml/2006/main" xmlns:r="http://schemas.openxmlformats.org/officeDocument/2006/relationships">
+  <c:date1904 val="1"/>
   <c:lang val="fr-FR"/>
   <c:chart>
     <c:title>
@@ -550,7 +550,6 @@
             </c:numRef>
           </c:val>
         </c:ser>
-        <c:dLbls/>
       </c:pie3DChart>
     </c:plotArea>
     <c:legend>
@@ -586,6 +585,7 @@
 
 <file path=ppt/charts/chart4.xml><?xml version="1.0" encoding="utf-8"?>
 <c:chartSpace xmlns:c="http://schemas.openxmlformats.org/drawingml/2006/chart" xmlns:a="http://schemas.openxmlformats.org/drawingml/2006/main" xmlns:r="http://schemas.openxmlformats.org/officeDocument/2006/relationships">
+  <c:date1904 val="1"/>
   <c:lang val="fr-FR"/>
   <c:chart>
     <c:title>
@@ -700,7 +700,6 @@
             </c:numRef>
           </c:val>
         </c:ser>
-        <c:dLbls/>
       </c:pie3DChart>
     </c:plotArea>
     <c:legend>
@@ -736,6 +735,7 @@
 
 <file path=ppt/charts/chart5.xml><?xml version="1.0" encoding="utf-8"?>
 <c:chartSpace xmlns:c="http://schemas.openxmlformats.org/drawingml/2006/chart" xmlns:a="http://schemas.openxmlformats.org/drawingml/2006/main" xmlns:r="http://schemas.openxmlformats.org/officeDocument/2006/relationships">
+  <c:date1904 val="1"/>
   <c:lang val="fr-FR"/>
   <c:chart>
     <c:title>
@@ -850,7 +850,6 @@
             </c:numRef>
           </c:val>
         </c:ser>
-        <c:dLbls/>
       </c:pie3DChart>
     </c:plotArea>
     <c:legend>
@@ -967,7 +966,7 @@
             <a:fld id="{D27F0A6E-5B86-4EF6-83C5-0BD3A3DA83B6}" type="datetimeFigureOut">
               <a:rPr lang="fr-FR" smtClean="0"/>
               <a:pPr/>
-              <a:t>12/02/2014</a:t>
+              <a:t>03/12/2014</a:t>
             </a:fld>
             <a:endParaRPr lang="fr-FR"/>
           </a:p>
@@ -1136,7 +1135,7 @@
     </p:spTree>
     <p:extLst>
       <p:ext uri="{BB962C8B-B14F-4D97-AF65-F5344CB8AC3E}">
-        <p14:creationId xmlns:p14="http://schemas.microsoft.com/office/powerpoint/2010/main" xmlns="" val="343854922"/>
+        <p14:creationId xmlns="" xmlns:p14="http://schemas.microsoft.com/office/powerpoint/2010/main" val="343854922"/>
       </p:ext>
     </p:extLst>
   </p:cSld>
@@ -1380,7 +1379,7 @@
             <a:fld id="{80E03CF1-1404-4F96-BE00-E12027A9533E}" type="datetime1">
               <a:rPr lang="fr-FR" smtClean="0"/>
               <a:pPr/>
-              <a:t>12/02/2014</a:t>
+              <a:t>03/12/2014</a:t>
             </a:fld>
             <a:endParaRPr lang="fr-FR"/>
           </a:p>
@@ -1756,7 +1755,7 @@
             <a:fld id="{323B191B-AB47-426E-987B-E782239FA91B}" type="datetime1">
               <a:rPr lang="fr-FR" smtClean="0"/>
               <a:pPr/>
-              <a:t>12/02/2014</a:t>
+              <a:t>03/12/2014</a:t>
             </a:fld>
             <a:endParaRPr lang="fr-FR"/>
           </a:p>
@@ -1937,7 +1936,7 @@
             <a:fld id="{2E24AE71-937F-4660-B9E2-F4542EB1EFF8}" type="datetime1">
               <a:rPr lang="fr-FR" smtClean="0"/>
               <a:pPr/>
-              <a:t>12/02/2014</a:t>
+              <a:t>03/12/2014</a:t>
             </a:fld>
             <a:endParaRPr lang="fr-FR"/>
           </a:p>
@@ -2178,7 +2177,7 @@
             <a:fld id="{A73A6D3F-1386-42A6-B79C-6D98CF025A8B}" type="datetime1">
               <a:rPr lang="fr-FR" smtClean="0"/>
               <a:pPr/>
-              <a:t>12/02/2014</a:t>
+              <a:t>03/12/2014</a:t>
             </a:fld>
             <a:endParaRPr lang="fr-FR"/>
           </a:p>
@@ -2469,7 +2468,7 @@
             <a:fld id="{288C7ECB-308C-419E-8581-EEC8E4D8967A}" type="datetime1">
               <a:rPr lang="fr-FR" smtClean="0"/>
               <a:pPr/>
-              <a:t>12/02/2014</a:t>
+              <a:t>03/12/2014</a:t>
             </a:fld>
             <a:endParaRPr lang="fr-FR"/>
           </a:p>
@@ -2706,7 +2705,7 @@
             <a:fld id="{B6B6314F-365B-4C6F-8D82-6E5EB6286A9B}" type="datetime1">
               <a:rPr lang="fr-FR" smtClean="0"/>
               <a:pPr/>
-              <a:t>12/02/2014</a:t>
+              <a:t>03/12/2014</a:t>
             </a:fld>
             <a:endParaRPr lang="fr-FR"/>
           </a:p>
@@ -3064,7 +3063,7 @@
             <a:fld id="{1E8843A6-341C-476E-A93B-81A14334ACEE}" type="datetime1">
               <a:rPr lang="fr-FR" smtClean="0"/>
               <a:pPr/>
-              <a:t>12/02/2014</a:t>
+              <a:t>03/12/2014</a:t>
             </a:fld>
             <a:endParaRPr lang="fr-FR"/>
           </a:p>
@@ -3302,7 +3301,7 @@
             <a:fld id="{5768B1D7-73E1-4220-81C1-FAF0BD4D5D13}" type="datetime1">
               <a:rPr lang="fr-FR" smtClean="0"/>
               <a:pPr/>
-              <a:t>12/02/2014</a:t>
+              <a:t>03/12/2014</a:t>
             </a:fld>
             <a:endParaRPr lang="fr-FR"/>
           </a:p>
@@ -3448,7 +3447,7 @@
             <a:fld id="{1B827170-7CAC-49A9-856E-4244E0368B3A}" type="datetime1">
               <a:rPr lang="fr-FR" smtClean="0"/>
               <a:pPr/>
-              <a:t>12/02/2014</a:t>
+              <a:t>03/12/2014</a:t>
             </a:fld>
             <a:endParaRPr lang="fr-FR"/>
           </a:p>
@@ -3731,7 +3730,7 @@
             <a:fld id="{5455D6C3-CBA9-4018-A399-639C4047CA06}" type="datetime1">
               <a:rPr lang="fr-FR" smtClean="0"/>
               <a:pPr/>
-              <a:t>12/02/2014</a:t>
+              <a:t>03/12/2014</a:t>
             </a:fld>
             <a:endParaRPr lang="fr-FR"/>
           </a:p>
@@ -4144,7 +4143,7 @@
             <a:fld id="{E6D8053A-ED5F-4450-88CD-62059A238D42}" type="datetime1">
               <a:rPr lang="fr-FR" smtClean="0"/>
               <a:pPr/>
-              <a:t>12/02/2014</a:t>
+              <a:t>03/12/2014</a:t>
             </a:fld>
             <a:endParaRPr lang="fr-FR"/>
           </a:p>
@@ -4488,7 +4487,7 @@
             <a:fld id="{D2A41902-4600-44E3-86DD-AB29023CD1D1}" type="datetime1">
               <a:rPr lang="fr-FR" smtClean="0"/>
               <a:pPr/>
-              <a:t>12/02/2014</a:t>
+              <a:t>03/12/2014</a:t>
             </a:fld>
             <a:endParaRPr lang="fr-FR"/>
           </a:p>
@@ -5091,11 +5090,7 @@
           <a:p>
             <a:r>
               <a:rPr lang="fr-FR" dirty="0" smtClean="0"/>
-              <a:t>Classes de </a:t>
-            </a:r>
-            <a:r>
-              <a:rPr lang="fr-FR" dirty="0" smtClean="0"/>
-              <a:t>Terminales S</a:t>
+              <a:t>Classes de Terminales S</a:t>
             </a:r>
             <a:endParaRPr lang="fr-FR" dirty="0"/>
           </a:p>
@@ -5104,7 +5099,7 @@
     </p:spTree>
     <p:extLst>
       <p:ext uri="{BB962C8B-B14F-4D97-AF65-F5344CB8AC3E}">
-        <p14:creationId xmlns:p14="http://schemas.microsoft.com/office/powerpoint/2010/main" xmlns="" val="925375128"/>
+        <p14:creationId xmlns="" xmlns:p14="http://schemas.microsoft.com/office/powerpoint/2010/main" val="925375128"/>
       </p:ext>
     </p:extLst>
   </p:cSld>
@@ -6350,7 +6345,7 @@
     </p:spTree>
     <p:extLst>
       <p:ext uri="{BB962C8B-B14F-4D97-AF65-F5344CB8AC3E}">
-        <p14:creationId xmlns:p14="http://schemas.microsoft.com/office/powerpoint/2010/main" xmlns="" val="1039484304"/>
+        <p14:creationId xmlns="" xmlns:p14="http://schemas.microsoft.com/office/powerpoint/2010/main" val="1039484304"/>
       </p:ext>
     </p:extLst>
   </p:cSld>
@@ -6476,7 +6471,7 @@
     </p:spTree>
     <p:extLst>
       <p:ext uri="{BB962C8B-B14F-4D97-AF65-F5344CB8AC3E}">
-        <p14:creationId xmlns:p14="http://schemas.microsoft.com/office/powerpoint/2010/main" xmlns="" val="3625453991"/>
+        <p14:creationId xmlns="" xmlns:p14="http://schemas.microsoft.com/office/powerpoint/2010/main" val="3625453991"/>
       </p:ext>
     </p:extLst>
   </p:cSld>
@@ -6595,7 +6590,7 @@
           <a:blip r:embed="rId2">
             <a:extLst>
               <a:ext uri="{28A0092B-C50C-407E-A947-70E740481C1C}">
-                <a14:useLocalDpi xmlns:a14="http://schemas.microsoft.com/office/drawing/2010/main" xmlns="" val="0"/>
+                <a14:useLocalDpi xmlns="" xmlns:a14="http://schemas.microsoft.com/office/drawing/2010/main" val="0"/>
               </a:ext>
             </a:extLst>
           </a:blip>
@@ -6613,7 +6608,7 @@
           <a:noFill/>
           <a:extLst>
             <a:ext uri="{909E8E84-426E-40DD-AFC4-6F175D3DCCD1}">
-              <a14:hiddenFill xmlns:a14="http://schemas.microsoft.com/office/drawing/2010/main" xmlns="">
+              <a14:hiddenFill xmlns="" xmlns:a14="http://schemas.microsoft.com/office/drawing/2010/main">
                 <a:solidFill>
                   <a:srgbClr val="FFFFFF"/>
                 </a:solidFill>
@@ -6857,7 +6852,7 @@
     </p:spTree>
     <p:extLst>
       <p:ext uri="{BB962C8B-B14F-4D97-AF65-F5344CB8AC3E}">
-        <p14:creationId xmlns:p14="http://schemas.microsoft.com/office/powerpoint/2010/main" xmlns="" val="3413079082"/>
+        <p14:creationId xmlns="" xmlns:p14="http://schemas.microsoft.com/office/powerpoint/2010/main" val="3413079082"/>
       </p:ext>
     </p:extLst>
   </p:cSld>
@@ -6920,7 +6915,7 @@
             <p:ph sz="quarter" idx="1"/>
             <p:extLst>
               <p:ext uri="{D42A27DB-BD31-4B8C-83A1-F6EECF244321}">
-                <p14:modId xmlns:p14="http://schemas.microsoft.com/office/powerpoint/2010/main" xmlns="" val="2739031874"/>
+                <p14:modId xmlns="" xmlns:p14="http://schemas.microsoft.com/office/powerpoint/2010/main" val="2739031874"/>
               </p:ext>
             </p:extLst>
           </p:nvPr>
@@ -6985,7 +6980,7 @@
     </p:spTree>
     <p:extLst>
       <p:ext uri="{BB962C8B-B14F-4D97-AF65-F5344CB8AC3E}">
-        <p14:creationId xmlns:p14="http://schemas.microsoft.com/office/powerpoint/2010/main" xmlns="" val="2876686551"/>
+        <p14:creationId xmlns="" xmlns:p14="http://schemas.microsoft.com/office/powerpoint/2010/main" val="2876686551"/>
       </p:ext>
     </p:extLst>
   </p:cSld>
@@ -7055,7 +7050,7 @@
             <p:ph sz="quarter" idx="1"/>
             <p:extLst>
               <p:ext uri="{D42A27DB-BD31-4B8C-83A1-F6EECF244321}">
-                <p14:modId xmlns:p14="http://schemas.microsoft.com/office/powerpoint/2010/main" xmlns="" val="2225978901"/>
+                <p14:modId xmlns="" xmlns:p14="http://schemas.microsoft.com/office/powerpoint/2010/main" val="2225978901"/>
               </p:ext>
             </p:extLst>
           </p:nvPr>
@@ -7120,7 +7115,7 @@
     </p:spTree>
     <p:extLst>
       <p:ext uri="{BB962C8B-B14F-4D97-AF65-F5344CB8AC3E}">
-        <p14:creationId xmlns:p14="http://schemas.microsoft.com/office/powerpoint/2010/main" xmlns="" val="3927707649"/>
+        <p14:creationId xmlns="" xmlns:p14="http://schemas.microsoft.com/office/powerpoint/2010/main" val="3927707649"/>
       </p:ext>
     </p:extLst>
   </p:cSld>
@@ -7190,7 +7185,7 @@
             <p:ph sz="quarter" idx="1"/>
             <p:extLst>
               <p:ext uri="{D42A27DB-BD31-4B8C-83A1-F6EECF244321}">
-                <p14:modId xmlns:p14="http://schemas.microsoft.com/office/powerpoint/2010/main" xmlns="" val="1194340047"/>
+                <p14:modId xmlns="" xmlns:p14="http://schemas.microsoft.com/office/powerpoint/2010/main" val="1194340047"/>
               </p:ext>
             </p:extLst>
           </p:nvPr>
@@ -7255,7 +7250,7 @@
     </p:spTree>
     <p:extLst>
       <p:ext uri="{BB962C8B-B14F-4D97-AF65-F5344CB8AC3E}">
-        <p14:creationId xmlns:p14="http://schemas.microsoft.com/office/powerpoint/2010/main" xmlns="" val="3024119915"/>
+        <p14:creationId xmlns="" xmlns:p14="http://schemas.microsoft.com/office/powerpoint/2010/main" val="3024119915"/>
       </p:ext>
     </p:extLst>
   </p:cSld>
@@ -7325,7 +7320,7 @@
             <p:ph sz="quarter" idx="1"/>
             <p:extLst>
               <p:ext uri="{D42A27DB-BD31-4B8C-83A1-F6EECF244321}">
-                <p14:modId xmlns:p14="http://schemas.microsoft.com/office/powerpoint/2010/main" xmlns="" val="2560467522"/>
+                <p14:modId xmlns="" xmlns:p14="http://schemas.microsoft.com/office/powerpoint/2010/main" val="2560467522"/>
               </p:ext>
             </p:extLst>
           </p:nvPr>
@@ -7390,7 +7385,7 @@
     </p:spTree>
     <p:extLst>
       <p:ext uri="{BB962C8B-B14F-4D97-AF65-F5344CB8AC3E}">
-        <p14:creationId xmlns:p14="http://schemas.microsoft.com/office/powerpoint/2010/main" xmlns="" val="289855745"/>
+        <p14:creationId xmlns="" xmlns:p14="http://schemas.microsoft.com/office/powerpoint/2010/main" val="289855745"/>
       </p:ext>
     </p:extLst>
   </p:cSld>
@@ -7460,7 +7455,7 @@
             <p:ph sz="quarter" idx="1"/>
             <p:extLst>
               <p:ext uri="{D42A27DB-BD31-4B8C-83A1-F6EECF244321}">
-                <p14:modId xmlns:p14="http://schemas.microsoft.com/office/powerpoint/2010/main" xmlns="" val="268200363"/>
+                <p14:modId xmlns="" xmlns:p14="http://schemas.microsoft.com/office/powerpoint/2010/main" val="268200363"/>
               </p:ext>
             </p:extLst>
           </p:nvPr>
@@ -7525,7 +7520,7 @@
     </p:spTree>
     <p:extLst>
       <p:ext uri="{BB962C8B-B14F-4D97-AF65-F5344CB8AC3E}">
-        <p14:creationId xmlns:p14="http://schemas.microsoft.com/office/powerpoint/2010/main" xmlns="" val="4186299133"/>
+        <p14:creationId xmlns="" xmlns:p14="http://schemas.microsoft.com/office/powerpoint/2010/main" val="4186299133"/>
       </p:ext>
     </p:extLst>
   </p:cSld>
@@ -7652,7 +7647,7 @@
     </p:spTree>
     <p:extLst>
       <p:ext uri="{BB962C8B-B14F-4D97-AF65-F5344CB8AC3E}">
-        <p14:creationId xmlns:p14="http://schemas.microsoft.com/office/powerpoint/2010/main" xmlns="" val="10568022"/>
+        <p14:creationId xmlns="" xmlns:p14="http://schemas.microsoft.com/office/powerpoint/2010/main" val="10568022"/>
       </p:ext>
     </p:extLst>
   </p:cSld>
@@ -7941,7 +7936,7 @@
     </p:spTree>
     <p:extLst>
       <p:ext uri="{BB962C8B-B14F-4D97-AF65-F5344CB8AC3E}">
-        <p14:creationId xmlns:p14="http://schemas.microsoft.com/office/powerpoint/2010/main" xmlns="" val="3734614943"/>
+        <p14:creationId xmlns="" xmlns:p14="http://schemas.microsoft.com/office/powerpoint/2010/main" val="3734614943"/>
       </p:ext>
     </p:extLst>
   </p:cSld>
@@ -8109,7 +8104,7 @@
     </p:spTree>
     <p:extLst>
       <p:ext uri="{BB962C8B-B14F-4D97-AF65-F5344CB8AC3E}">
-        <p14:creationId xmlns:p14="http://schemas.microsoft.com/office/powerpoint/2010/main" xmlns="" val="3147520655"/>
+        <p14:creationId xmlns="" xmlns:p14="http://schemas.microsoft.com/office/powerpoint/2010/main" val="3147520655"/>
       </p:ext>
     </p:extLst>
   </p:cSld>
@@ -8322,7 +8317,7 @@
     </p:spTree>
     <p:extLst>
       <p:ext uri="{BB962C8B-B14F-4D97-AF65-F5344CB8AC3E}">
-        <p14:creationId xmlns:p14="http://schemas.microsoft.com/office/powerpoint/2010/main" xmlns="" val="828930698"/>
+        <p14:creationId xmlns="" xmlns:p14="http://schemas.microsoft.com/office/powerpoint/2010/main" val="828930698"/>
       </p:ext>
     </p:extLst>
   </p:cSld>
@@ -8547,7 +8542,7 @@
     </p:spTree>
     <p:extLst>
       <p:ext uri="{BB962C8B-B14F-4D97-AF65-F5344CB8AC3E}">
-        <p14:creationId xmlns:p14="http://schemas.microsoft.com/office/powerpoint/2010/main" xmlns="" val="1630853213"/>
+        <p14:creationId xmlns="" xmlns:p14="http://schemas.microsoft.com/office/powerpoint/2010/main" val="1630853213"/>
       </p:ext>
     </p:extLst>
   </p:cSld>
@@ -8722,7 +8717,7 @@
     </p:spTree>
     <p:extLst>
       <p:ext uri="{BB962C8B-B14F-4D97-AF65-F5344CB8AC3E}">
-        <p14:creationId xmlns:p14="http://schemas.microsoft.com/office/powerpoint/2010/main" xmlns="" val="257158660"/>
+        <p14:creationId xmlns="" xmlns:p14="http://schemas.microsoft.com/office/powerpoint/2010/main" val="257158660"/>
       </p:ext>
     </p:extLst>
   </p:cSld>
@@ -8915,7 +8910,7 @@
           <a:blip r:embed="rId2">
             <a:extLst>
               <a:ext uri="{28A0092B-C50C-407E-A947-70E740481C1C}">
-                <a14:useLocalDpi xmlns:a14="http://schemas.microsoft.com/office/drawing/2010/main" xmlns="" val="0"/>
+                <a14:useLocalDpi xmlns="" xmlns:a14="http://schemas.microsoft.com/office/drawing/2010/main" val="0"/>
               </a:ext>
             </a:extLst>
           </a:blip>
@@ -8942,14 +8937,14 @@
           </a:effectLst>
           <a:extLst>
             <a:ext uri="{909E8E84-426E-40DD-AFC4-6F175D3DCCD1}">
-              <a14:hiddenFill xmlns:a14="http://schemas.microsoft.com/office/drawing/2010/main" xmlns="">
+              <a14:hiddenFill xmlns="" xmlns:a14="http://schemas.microsoft.com/office/drawing/2010/main">
                 <a:solidFill>
                   <a:schemeClr val="accent1"/>
                 </a:solidFill>
               </a14:hiddenFill>
             </a:ext>
             <a:ext uri="{91240B29-F687-4F45-9708-019B960494DF}">
-              <a14:hiddenLine xmlns:a14="http://schemas.microsoft.com/office/drawing/2010/main" xmlns="" w="9525">
+              <a14:hiddenLine xmlns="" xmlns:a14="http://schemas.microsoft.com/office/drawing/2010/main" w="9525">
                 <a:solidFill>
                   <a:schemeClr val="tx1"/>
                 </a:solidFill>
@@ -8964,7 +8959,7 @@
     </p:spTree>
     <p:extLst>
       <p:ext uri="{BB962C8B-B14F-4D97-AF65-F5344CB8AC3E}">
-        <p14:creationId xmlns:p14="http://schemas.microsoft.com/office/powerpoint/2010/main" xmlns="" val="1301667319"/>
+        <p14:creationId xmlns="" xmlns:p14="http://schemas.microsoft.com/office/powerpoint/2010/main" val="1301667319"/>
       </p:ext>
     </p:extLst>
   </p:cSld>
@@ -9083,7 +9078,7 @@
     </p:spTree>
     <p:extLst>
       <p:ext uri="{BB962C8B-B14F-4D97-AF65-F5344CB8AC3E}">
-        <p14:creationId xmlns:p14="http://schemas.microsoft.com/office/powerpoint/2010/main" xmlns="" val="3340554524"/>
+        <p14:creationId xmlns="" xmlns:p14="http://schemas.microsoft.com/office/powerpoint/2010/main" val="3340554524"/>
       </p:ext>
     </p:extLst>
   </p:cSld>
@@ -9184,8 +9179,32 @@
             <a:pPr lvl="1"/>
             <a:r>
               <a:rPr lang="fr-FR" sz="1600" dirty="0" smtClean="0"/>
-              <a:t>Lycée Dumont D'Urville à Toulon</a:t>
-            </a:r>
+              <a:t>Lycée Dumont D'Urville à </a:t>
+            </a:r>
+            <a:r>
+              <a:rPr lang="fr-FR" sz="1600" dirty="0" smtClean="0"/>
+              <a:t>Toulon</a:t>
+            </a:r>
+          </a:p>
+          <a:p>
+            <a:pPr lvl="2"/>
+            <a:r>
+              <a:rPr lang="fr-FR" sz="1400" smtClean="0">
+                <a:solidFill>
+                  <a:srgbClr val="FF0000"/>
+                </a:solidFill>
+              </a:rPr>
+              <a:t>PO </a:t>
+            </a:r>
+            <a:r>
+              <a:rPr lang="fr-FR" sz="1400" smtClean="0">
+                <a:solidFill>
+                  <a:srgbClr val="FF0000"/>
+                </a:solidFill>
+              </a:rPr>
+              <a:t>le </a:t>
+            </a:r>
+            <a:endParaRPr lang="fr-FR" sz="1300" dirty="0" smtClean="0"/>
           </a:p>
           <a:p>
             <a:pPr lvl="1"/>
@@ -9262,7 +9281,7 @@
         </p:spPr>
         <p:txBody>
           <a:bodyPr vert="horz">
-            <a:normAutofit fontScale="70000" lnSpcReduction="20000"/>
+            <a:normAutofit fontScale="62500" lnSpcReduction="20000"/>
           </a:bodyPr>
           <a:lstStyle>
             <a:lvl1pPr marL="274320" indent="-274320" algn="l" rtl="0" eaLnBrk="1" latinLnBrk="0" hangingPunct="1">
@@ -9457,16 +9476,37 @@
             <a:pPr lvl="1"/>
             <a:r>
               <a:rPr lang="fr-FR" dirty="0" smtClean="0"/>
-              <a:t>Lycée Rouvière à Toulon			</a:t>
-            </a:r>
+              <a:t>Lycée Rouvière à </a:t>
+            </a:r>
+            <a:r>
+              <a:rPr lang="fr-FR" dirty="0" smtClean="0"/>
+              <a:t>Toulon</a:t>
+            </a:r>
+            <a:endParaRPr lang="fr-FR" dirty="0" smtClean="0"/>
+          </a:p>
+          <a:p>
+            <a:pPr lvl="2"/>
             <a:r>
               <a:rPr lang="fr-FR" dirty="0" smtClean="0">
                 <a:solidFill>
                   <a:srgbClr val="FF0000"/>
                 </a:solidFill>
               </a:rPr>
-              <a:t>PO le 25/01/2014 – 9h00 à 12h00</a:t>
-            </a:r>
+              <a:t>PO </a:t>
+            </a:r>
+            <a:r>
+              <a:rPr lang="fr-FR" dirty="0" smtClean="0">
+                <a:solidFill>
+                  <a:srgbClr val="FF0000"/>
+                </a:solidFill>
+              </a:rPr>
+              <a:t>le </a:t>
+            </a:r>
+            <a:endParaRPr lang="fr-FR" dirty="0" smtClean="0">
+              <a:solidFill>
+                <a:srgbClr val="FF0000"/>
+              </a:solidFill>
+            </a:endParaRPr>
           </a:p>
           <a:p>
             <a:pPr lvl="1"/>
@@ -9480,13 +9520,30 @@
               <a:rPr lang="fr-FR" dirty="0" smtClean="0"/>
               <a:t>MPSI</a:t>
             </a:r>
+            <a:endParaRPr lang="fr-FR" dirty="0" smtClean="0"/>
           </a:p>
           <a:p>
             <a:pPr lvl="1"/>
             <a:r>
               <a:rPr lang="fr-FR" dirty="0" smtClean="0"/>
-              <a:t>Lycée Dumont D'Urville à Toulon</a:t>
-            </a:r>
+              <a:t>Lycée Dumont D'Urville à </a:t>
+            </a:r>
+            <a:r>
+              <a:rPr lang="fr-FR" dirty="0" smtClean="0"/>
+              <a:t>Toulon</a:t>
+            </a:r>
+          </a:p>
+          <a:p>
+            <a:pPr lvl="2"/>
+            <a:r>
+              <a:rPr lang="fr-FR" dirty="0" smtClean="0">
+                <a:solidFill>
+                  <a:srgbClr val="FF0000"/>
+                </a:solidFill>
+              </a:rPr>
+              <a:t>PO le</a:t>
+            </a:r>
+            <a:endParaRPr lang="fr-FR" dirty="0" smtClean="0"/>
           </a:p>
           <a:p>
             <a:pPr lvl="1"/>
@@ -9526,8 +9583,24 @@
             <a:pPr lvl="1"/>
             <a:r>
               <a:rPr lang="fr-FR" dirty="0" smtClean="0"/>
-              <a:t>Lycée Dumont D'Urville à Toulon</a:t>
-            </a:r>
+              <a:t>Lycée Dumont D'Urville à </a:t>
+            </a:r>
+            <a:r>
+              <a:rPr lang="fr-FR" dirty="0" smtClean="0"/>
+              <a:t>Toulon</a:t>
+            </a:r>
+          </a:p>
+          <a:p>
+            <a:pPr lvl="2"/>
+            <a:r>
+              <a:rPr lang="fr-FR" dirty="0" smtClean="0">
+                <a:solidFill>
+                  <a:srgbClr val="FF0000"/>
+                </a:solidFill>
+              </a:rPr>
+              <a:t>PO le</a:t>
+            </a:r>
+            <a:endParaRPr lang="fr-FR" dirty="0" smtClean="0"/>
           </a:p>
           <a:p>
             <a:pPr lvl="1"/>
@@ -9576,7 +9649,7 @@
     </p:spTree>
     <p:extLst>
       <p:ext uri="{BB962C8B-B14F-4D97-AF65-F5344CB8AC3E}">
-        <p14:creationId xmlns:p14="http://schemas.microsoft.com/office/powerpoint/2010/main" xmlns="" val="1129511258"/>
+        <p14:creationId xmlns="" xmlns:p14="http://schemas.microsoft.com/office/powerpoint/2010/main" val="1129511258"/>
       </p:ext>
     </p:extLst>
   </p:cSld>
@@ -9702,7 +9775,7 @@
     </p:spTree>
     <p:extLst>
       <p:ext uri="{BB962C8B-B14F-4D97-AF65-F5344CB8AC3E}">
-        <p14:creationId xmlns:p14="http://schemas.microsoft.com/office/powerpoint/2010/main" xmlns="" val="697962331"/>
+        <p14:creationId xmlns="" xmlns:p14="http://schemas.microsoft.com/office/powerpoint/2010/main" val="697962331"/>
       </p:ext>
     </p:extLst>
   </p:cSld>
@@ -9780,7 +9853,7 @@
           <a:blip r:embed="rId2">
             <a:extLst>
               <a:ext uri="{28A0092B-C50C-407E-A947-70E740481C1C}">
-                <a14:useLocalDpi xmlns:a14="http://schemas.microsoft.com/office/drawing/2010/main" xmlns="" val="0"/>
+                <a14:useLocalDpi xmlns="" xmlns:a14="http://schemas.microsoft.com/office/drawing/2010/main" val="0"/>
               </a:ext>
             </a:extLst>
           </a:blip>
@@ -9809,14 +9882,14 @@
           </a:effectLst>
           <a:extLst>
             <a:ext uri="{909E8E84-426E-40DD-AFC4-6F175D3DCCD1}">
-              <a14:hiddenFill xmlns:a14="http://schemas.microsoft.com/office/drawing/2010/main" xmlns="">
+              <a14:hiddenFill xmlns="" xmlns:a14="http://schemas.microsoft.com/office/drawing/2010/main">
                 <a:solidFill>
                   <a:schemeClr val="accent1"/>
                 </a:solidFill>
               </a14:hiddenFill>
             </a:ext>
             <a:ext uri="{91240B29-F687-4F45-9708-019B960494DF}">
-              <a14:hiddenLine xmlns:a14="http://schemas.microsoft.com/office/drawing/2010/main" xmlns="" w="9525">
+              <a14:hiddenLine xmlns="" xmlns:a14="http://schemas.microsoft.com/office/drawing/2010/main" w="9525">
                 <a:solidFill>
                   <a:schemeClr val="tx1"/>
                 </a:solidFill>
@@ -9904,7 +9977,7 @@
           <a:blip r:embed="rId5">
             <a:extLst>
               <a:ext uri="{28A0092B-C50C-407E-A947-70E740481C1C}">
-                <a14:useLocalDpi xmlns:a14="http://schemas.microsoft.com/office/drawing/2010/main" xmlns="" val="0"/>
+                <a14:useLocalDpi xmlns="" xmlns:a14="http://schemas.microsoft.com/office/drawing/2010/main" val="0"/>
               </a:ext>
             </a:extLst>
           </a:blip>
@@ -9933,14 +10006,14 @@
           </a:effectLst>
           <a:extLst>
             <a:ext uri="{909E8E84-426E-40DD-AFC4-6F175D3DCCD1}">
-              <a14:hiddenFill xmlns:a14="http://schemas.microsoft.com/office/drawing/2010/main" xmlns="">
+              <a14:hiddenFill xmlns="" xmlns:a14="http://schemas.microsoft.com/office/drawing/2010/main">
                 <a:solidFill>
                   <a:schemeClr val="accent1"/>
                 </a:solidFill>
               </a14:hiddenFill>
             </a:ext>
             <a:ext uri="{91240B29-F687-4F45-9708-019B960494DF}">
-              <a14:hiddenLine xmlns:a14="http://schemas.microsoft.com/office/drawing/2010/main" xmlns="" w="9525">
+              <a14:hiddenLine xmlns="" xmlns:a14="http://schemas.microsoft.com/office/drawing/2010/main" w="9525">
                 <a:solidFill>
                   <a:schemeClr val="tx1"/>
                 </a:solidFill>
@@ -9995,7 +10068,7 @@
           <a:blip r:embed="rId7">
             <a:extLst>
               <a:ext uri="{28A0092B-C50C-407E-A947-70E740481C1C}">
-                <a14:useLocalDpi xmlns:a14="http://schemas.microsoft.com/office/drawing/2010/main" xmlns="" val="0"/>
+                <a14:useLocalDpi xmlns="" xmlns:a14="http://schemas.microsoft.com/office/drawing/2010/main" val="0"/>
               </a:ext>
             </a:extLst>
           </a:blip>
@@ -10024,14 +10097,14 @@
           </a:effectLst>
           <a:extLst>
             <a:ext uri="{909E8E84-426E-40DD-AFC4-6F175D3DCCD1}">
-              <a14:hiddenFill xmlns:a14="http://schemas.microsoft.com/office/drawing/2010/main" xmlns="">
+              <a14:hiddenFill xmlns="" xmlns:a14="http://schemas.microsoft.com/office/drawing/2010/main">
                 <a:solidFill>
                   <a:schemeClr val="accent1"/>
                 </a:solidFill>
               </a14:hiddenFill>
             </a:ext>
             <a:ext uri="{91240B29-F687-4F45-9708-019B960494DF}">
-              <a14:hiddenLine xmlns:a14="http://schemas.microsoft.com/office/drawing/2010/main" xmlns="" w="9525">
+              <a14:hiddenLine xmlns="" xmlns:a14="http://schemas.microsoft.com/office/drawing/2010/main" w="9525">
                 <a:solidFill>
                   <a:schemeClr val="tx1"/>
                 </a:solidFill>
@@ -10055,7 +10128,7 @@
           <a:blip r:embed="rId8">
             <a:extLst>
               <a:ext uri="{28A0092B-C50C-407E-A947-70E740481C1C}">
-                <a14:useLocalDpi xmlns:a14="http://schemas.microsoft.com/office/drawing/2010/main" xmlns="" val="0"/>
+                <a14:useLocalDpi xmlns="" xmlns:a14="http://schemas.microsoft.com/office/drawing/2010/main" val="0"/>
               </a:ext>
             </a:extLst>
           </a:blip>
@@ -10084,7 +10157,7 @@
           </a:effectLst>
           <a:extLst>
             <a:ext uri="{909E8E84-426E-40DD-AFC4-6F175D3DCCD1}">
-              <a14:hiddenFill xmlns:a14="http://schemas.microsoft.com/office/drawing/2010/main" xmlns="">
+              <a14:hiddenFill xmlns="" xmlns:a14="http://schemas.microsoft.com/office/drawing/2010/main">
                 <a:solidFill>
                   <a:srgbClr val="FFFFFF"/>
                 </a:solidFill>
@@ -10136,7 +10209,7 @@
           <a:blip r:embed="rId10" cstate="print">
             <a:extLst>
               <a:ext uri="{28A0092B-C50C-407E-A947-70E740481C1C}">
-                <a14:useLocalDpi xmlns:a14="http://schemas.microsoft.com/office/drawing/2010/main" xmlns="" val="0"/>
+                <a14:useLocalDpi xmlns="" xmlns:a14="http://schemas.microsoft.com/office/drawing/2010/main" val="0"/>
               </a:ext>
             </a:extLst>
           </a:blip>
@@ -10165,14 +10238,14 @@
           </a:effectLst>
           <a:extLst>
             <a:ext uri="{909E8E84-426E-40DD-AFC4-6F175D3DCCD1}">
-              <a14:hiddenFill xmlns:a14="http://schemas.microsoft.com/office/drawing/2010/main" xmlns="">
+              <a14:hiddenFill xmlns="" xmlns:a14="http://schemas.microsoft.com/office/drawing/2010/main">
                 <a:solidFill>
                   <a:schemeClr val="accent1"/>
                 </a:solidFill>
               </a14:hiddenFill>
             </a:ext>
             <a:ext uri="{91240B29-F687-4F45-9708-019B960494DF}">
-              <a14:hiddenLine xmlns:a14="http://schemas.microsoft.com/office/drawing/2010/main" xmlns="" w="9525">
+              <a14:hiddenLine xmlns="" xmlns:a14="http://schemas.microsoft.com/office/drawing/2010/main" w="9525">
                 <a:solidFill>
                   <a:schemeClr val="tx1"/>
                 </a:solidFill>
@@ -10227,7 +10300,7 @@
           <a:blip r:embed="rId12">
             <a:extLst>
               <a:ext uri="{28A0092B-C50C-407E-A947-70E740481C1C}">
-                <a14:useLocalDpi xmlns:a14="http://schemas.microsoft.com/office/drawing/2010/main" xmlns="" val="0"/>
+                <a14:useLocalDpi xmlns="" xmlns:a14="http://schemas.microsoft.com/office/drawing/2010/main" val="0"/>
               </a:ext>
             </a:extLst>
           </a:blip>
@@ -10256,14 +10329,14 @@
           </a:effectLst>
           <a:extLst>
             <a:ext uri="{909E8E84-426E-40DD-AFC4-6F175D3DCCD1}">
-              <a14:hiddenFill xmlns:a14="http://schemas.microsoft.com/office/drawing/2010/main" xmlns="">
+              <a14:hiddenFill xmlns="" xmlns:a14="http://schemas.microsoft.com/office/drawing/2010/main">
                 <a:solidFill>
                   <a:schemeClr val="accent1"/>
                 </a:solidFill>
               </a14:hiddenFill>
             </a:ext>
             <a:ext uri="{91240B29-F687-4F45-9708-019B960494DF}">
-              <a14:hiddenLine xmlns:a14="http://schemas.microsoft.com/office/drawing/2010/main" xmlns="" w="9525">
+              <a14:hiddenLine xmlns="" xmlns:a14="http://schemas.microsoft.com/office/drawing/2010/main" w="9525">
                 <a:solidFill>
                   <a:schemeClr val="tx1"/>
                 </a:solidFill>
@@ -10669,7 +10742,7 @@
     </p:spTree>
     <p:extLst>
       <p:ext uri="{BB962C8B-B14F-4D97-AF65-F5344CB8AC3E}">
-        <p14:creationId xmlns:p14="http://schemas.microsoft.com/office/powerpoint/2010/main" xmlns="" val="4000444817"/>
+        <p14:creationId xmlns="" xmlns:p14="http://schemas.microsoft.com/office/powerpoint/2010/main" val="4000444817"/>
       </p:ext>
     </p:extLst>
   </p:cSld>
@@ -10849,7 +10922,7 @@
     </p:spTree>
     <p:extLst>
       <p:ext uri="{BB962C8B-B14F-4D97-AF65-F5344CB8AC3E}">
-        <p14:creationId xmlns:p14="http://schemas.microsoft.com/office/powerpoint/2010/main" xmlns="" val="1593473014"/>
+        <p14:creationId xmlns="" xmlns:p14="http://schemas.microsoft.com/office/powerpoint/2010/main" val="1593473014"/>
       </p:ext>
     </p:extLst>
   </p:cSld>
@@ -10985,7 +11058,7 @@
           <a:blip r:embed="rId2">
             <a:extLst>
               <a:ext uri="{28A0092B-C50C-407E-A947-70E740481C1C}">
-                <a14:useLocalDpi xmlns:a14="http://schemas.microsoft.com/office/drawing/2010/main" xmlns="" val="0"/>
+                <a14:useLocalDpi xmlns="" xmlns:a14="http://schemas.microsoft.com/office/drawing/2010/main" val="0"/>
               </a:ext>
             </a:extLst>
           </a:blip>
@@ -11005,7 +11078,7 @@
           <a:noFill/>
           <a:extLst>
             <a:ext uri="{909E8E84-426E-40DD-AFC4-6F175D3DCCD1}">
-              <a14:hiddenFill xmlns:a14="http://schemas.microsoft.com/office/drawing/2010/main" xmlns="">
+              <a14:hiddenFill xmlns="" xmlns:a14="http://schemas.microsoft.com/office/drawing/2010/main">
                 <a:solidFill>
                   <a:srgbClr val="FFFFFF"/>
                 </a:solidFill>
@@ -11057,7 +11130,7 @@
           <a:blip r:embed="rId4">
             <a:extLst>
               <a:ext uri="{28A0092B-C50C-407E-A947-70E740481C1C}">
-                <a14:useLocalDpi xmlns:a14="http://schemas.microsoft.com/office/drawing/2010/main" xmlns="" val="0"/>
+                <a14:useLocalDpi xmlns="" xmlns:a14="http://schemas.microsoft.com/office/drawing/2010/main" val="0"/>
               </a:ext>
             </a:extLst>
           </a:blip>
@@ -11077,7 +11150,7 @@
           <a:noFill/>
           <a:extLst>
             <a:ext uri="{909E8E84-426E-40DD-AFC4-6F175D3DCCD1}">
-              <a14:hiddenFill xmlns:a14="http://schemas.microsoft.com/office/drawing/2010/main" xmlns="">
+              <a14:hiddenFill xmlns="" xmlns:a14="http://schemas.microsoft.com/office/drawing/2010/main">
                 <a:solidFill>
                   <a:srgbClr val="FFFFFF"/>
                 </a:solidFill>
@@ -11112,7 +11185,7 @@
             <a:blip r:embed="rId5">
               <a:extLst>
                 <a:ext uri="{28A0092B-C50C-407E-A947-70E740481C1C}">
-                  <a14:useLocalDpi xmlns:a14="http://schemas.microsoft.com/office/drawing/2010/main" xmlns="" val="0"/>
+                  <a14:useLocalDpi xmlns="" xmlns:a14="http://schemas.microsoft.com/office/drawing/2010/main" val="0"/>
                 </a:ext>
               </a:extLst>
             </a:blip>
@@ -11136,14 +11209,14 @@
             <a:effectLst/>
             <a:extLst>
               <a:ext uri="{909E8E84-426E-40DD-AFC4-6F175D3DCCD1}">
-                <a14:hiddenFill xmlns:a14="http://schemas.microsoft.com/office/drawing/2010/main" xmlns="">
+                <a14:hiddenFill xmlns="" xmlns:a14="http://schemas.microsoft.com/office/drawing/2010/main">
                   <a:solidFill>
                     <a:schemeClr val="accent1"/>
                   </a:solidFill>
                 </a14:hiddenFill>
               </a:ext>
               <a:ext uri="{91240B29-F687-4F45-9708-019B960494DF}">
-                <a14:hiddenLine xmlns:a14="http://schemas.microsoft.com/office/drawing/2010/main" xmlns="" w="9525">
+                <a14:hiddenLine xmlns="" xmlns:a14="http://schemas.microsoft.com/office/drawing/2010/main" w="9525">
                   <a:solidFill>
                     <a:schemeClr val="tx1"/>
                   </a:solidFill>
@@ -11153,7 +11226,7 @@
                 </a14:hiddenLine>
               </a:ext>
               <a:ext uri="{AF507438-7753-43E0-B8FC-AC1667EBCBE1}">
-                <a14:hiddenEffects xmlns:a14="http://schemas.microsoft.com/office/drawing/2010/main" xmlns="">
+                <a14:hiddenEffects xmlns="" xmlns:a14="http://schemas.microsoft.com/office/drawing/2010/main">
                   <a:effectLst>
                     <a:outerShdw dist="35921" dir="2700000" algn="ctr" rotWithShape="0">
                       <a:schemeClr val="bg2"/>
@@ -11176,7 +11249,7 @@
             <a:blip r:embed="rId6">
               <a:extLst>
                 <a:ext uri="{28A0092B-C50C-407E-A947-70E740481C1C}">
-                  <a14:useLocalDpi xmlns:a14="http://schemas.microsoft.com/office/drawing/2010/main" xmlns="" val="0"/>
+                  <a14:useLocalDpi xmlns="" xmlns:a14="http://schemas.microsoft.com/office/drawing/2010/main" val="0"/>
                 </a:ext>
               </a:extLst>
             </a:blip>
@@ -11196,7 +11269,7 @@
             <a:noFill/>
             <a:extLst>
               <a:ext uri="{909E8E84-426E-40DD-AFC4-6F175D3DCCD1}">
-                <a14:hiddenFill xmlns:a14="http://schemas.microsoft.com/office/drawing/2010/main" xmlns="">
+                <a14:hiddenFill xmlns="" xmlns:a14="http://schemas.microsoft.com/office/drawing/2010/main">
                   <a:solidFill>
                     <a:srgbClr val="FFFFFF"/>
                   </a:solidFill>
@@ -11217,7 +11290,7 @@
             <a:blip r:embed="rId7">
               <a:extLst>
                 <a:ext uri="{28A0092B-C50C-407E-A947-70E740481C1C}">
-                  <a14:useLocalDpi xmlns:a14="http://schemas.microsoft.com/office/drawing/2010/main" xmlns="" val="0"/>
+                  <a14:useLocalDpi xmlns="" xmlns:a14="http://schemas.microsoft.com/office/drawing/2010/main" val="0"/>
                 </a:ext>
               </a:extLst>
             </a:blip>
@@ -11237,7 +11310,7 @@
             <a:noFill/>
             <a:extLst>
               <a:ext uri="{909E8E84-426E-40DD-AFC4-6F175D3DCCD1}">
-                <a14:hiddenFill xmlns:a14="http://schemas.microsoft.com/office/drawing/2010/main" xmlns="">
+                <a14:hiddenFill xmlns="" xmlns:a14="http://schemas.microsoft.com/office/drawing/2010/main">
                   <a:solidFill>
                     <a:srgbClr val="FFFFFF"/>
                   </a:solidFill>
@@ -11297,7 +11370,7 @@
     </p:spTree>
     <p:extLst>
       <p:ext uri="{BB962C8B-B14F-4D97-AF65-F5344CB8AC3E}">
-        <p14:creationId xmlns:p14="http://schemas.microsoft.com/office/powerpoint/2010/main" xmlns="" val="2741274288"/>
+        <p14:creationId xmlns="" xmlns:p14="http://schemas.microsoft.com/office/powerpoint/2010/main" val="2741274288"/>
       </p:ext>
     </p:extLst>
   </p:cSld>
@@ -11423,7 +11496,7 @@
     </p:spTree>
     <p:extLst>
       <p:ext uri="{BB962C8B-B14F-4D97-AF65-F5344CB8AC3E}">
-        <p14:creationId xmlns:p14="http://schemas.microsoft.com/office/powerpoint/2010/main" xmlns="" val="3711824119"/>
+        <p14:creationId xmlns="" xmlns:p14="http://schemas.microsoft.com/office/powerpoint/2010/main" val="3711824119"/>
       </p:ext>
     </p:extLst>
   </p:cSld>
@@ -12905,7 +12978,7 @@
     </p:spTree>
     <p:extLst>
       <p:ext uri="{BB962C8B-B14F-4D97-AF65-F5344CB8AC3E}">
-        <p14:creationId xmlns:p14="http://schemas.microsoft.com/office/powerpoint/2010/main" xmlns="" val="1865767082"/>
+        <p14:creationId xmlns="" xmlns:p14="http://schemas.microsoft.com/office/powerpoint/2010/main" val="1865767082"/>
       </p:ext>
     </p:extLst>
   </p:cSld>
@@ -13080,7 +13153,7 @@
     </p:spTree>
     <p:extLst>
       <p:ext uri="{BB962C8B-B14F-4D97-AF65-F5344CB8AC3E}">
-        <p14:creationId xmlns:p14="http://schemas.microsoft.com/office/powerpoint/2010/main" xmlns="" val="254375803"/>
+        <p14:creationId xmlns="" xmlns:p14="http://schemas.microsoft.com/office/powerpoint/2010/main" val="254375803"/>
       </p:ext>
     </p:extLst>
   </p:cSld>
